--- a/02-Imagenes/API/PowerPointImagenes.pptx
+++ b/02-Imagenes/API/PowerPointImagenes.pptx
@@ -3321,6 +3321,510 @@
           <a:chExt cx="0" cy="0"/>
         </a:xfrm>
       </p:grpSpPr>
+      <p:pic>
+        <p:nvPicPr>
+          <p:cNvPr id="15" name="Imagen 14" descr="Icono&#10;&#10;Descripción generada automáticamente">
+            <a:extLst>
+              <a:ext uri="{FF2B5EF4-FFF2-40B4-BE49-F238E27FC236}">
+                <a16:creationId xmlns:a16="http://schemas.microsoft.com/office/drawing/2014/main" id="{EE5B6C21-70D9-4453-82CA-15BF3DA10A56}"/>
+              </a:ext>
+            </a:extLst>
+          </p:cNvPr>
+          <p:cNvPicPr>
+            <a:picLocks noChangeAspect="1"/>
+          </p:cNvPicPr>
+          <p:nvPr/>
+        </p:nvPicPr>
+        <p:blipFill>
+          <a:blip r:embed="rId2"/>
+          <a:stretch>
+            <a:fillRect/>
+          </a:stretch>
+        </p:blipFill>
+        <p:spPr>
+          <a:xfrm>
+            <a:off x="4302989" y="0"/>
+            <a:ext cx="3819236" cy="3893127"/>
+          </a:xfrm>
+          <a:prstGeom prst="rect">
+            <a:avLst/>
+          </a:prstGeom>
+        </p:spPr>
+      </p:pic>
+      <p:pic>
+        <p:nvPicPr>
+          <p:cNvPr id="17" name="Imagen 16" descr="Icono&#10;&#10;Descripción generada automáticamente">
+            <a:extLst>
+              <a:ext uri="{FF2B5EF4-FFF2-40B4-BE49-F238E27FC236}">
+                <a16:creationId xmlns:a16="http://schemas.microsoft.com/office/drawing/2014/main" id="{202588D3-BF7B-2CB3-6910-8E6E8F3F0650}"/>
+              </a:ext>
+            </a:extLst>
+          </p:cNvPr>
+          <p:cNvPicPr>
+            <a:picLocks noChangeAspect="1"/>
+          </p:cNvPicPr>
+          <p:nvPr/>
+        </p:nvPicPr>
+        <p:blipFill>
+          <a:blip r:embed="rId3"/>
+          <a:stretch>
+            <a:fillRect/>
+          </a:stretch>
+        </p:blipFill>
+        <p:spPr>
+          <a:xfrm>
+            <a:off x="8606098" y="214609"/>
+            <a:ext cx="3463907" cy="3308588"/>
+          </a:xfrm>
+          <a:prstGeom prst="rect">
+            <a:avLst/>
+          </a:prstGeom>
+        </p:spPr>
+      </p:pic>
+      <p:pic>
+        <p:nvPicPr>
+          <p:cNvPr id="19" name="Imagen 18" descr="Icono&#10;&#10;Descripción generada automáticamente">
+            <a:extLst>
+              <a:ext uri="{FF2B5EF4-FFF2-40B4-BE49-F238E27FC236}">
+                <a16:creationId xmlns:a16="http://schemas.microsoft.com/office/drawing/2014/main" id="{FA8CE312-211C-7809-6923-E01D3C18001A}"/>
+              </a:ext>
+            </a:extLst>
+          </p:cNvPr>
+          <p:cNvPicPr>
+            <a:picLocks noChangeAspect="1"/>
+          </p:cNvPicPr>
+          <p:nvPr/>
+        </p:nvPicPr>
+        <p:blipFill>
+          <a:blip r:embed="rId4"/>
+          <a:stretch>
+            <a:fillRect/>
+          </a:stretch>
+        </p:blipFill>
+        <p:spPr>
+          <a:xfrm>
+            <a:off x="138954" y="443821"/>
+            <a:ext cx="3079376" cy="3079376"/>
+          </a:xfrm>
+          <a:prstGeom prst="rect">
+            <a:avLst/>
+          </a:prstGeom>
+        </p:spPr>
+      </p:pic>
+      <p:grpSp>
+        <p:nvGrpSpPr>
+          <p:cNvPr id="37" name="Grupo 36">
+            <a:extLst>
+              <a:ext uri="{FF2B5EF4-FFF2-40B4-BE49-F238E27FC236}">
+                <a16:creationId xmlns:a16="http://schemas.microsoft.com/office/drawing/2014/main" id="{B3C295C1-2CE1-1CA0-01A1-FD7C1E7BF259}"/>
+              </a:ext>
+            </a:extLst>
+          </p:cNvPr>
+          <p:cNvGrpSpPr/>
+          <p:nvPr/>
+        </p:nvGrpSpPr>
+        <p:grpSpPr>
+          <a:xfrm>
+            <a:off x="3397414" y="1716598"/>
+            <a:ext cx="1479385" cy="904487"/>
+            <a:chOff x="3397414" y="1716598"/>
+            <a:chExt cx="1479385" cy="904487"/>
+          </a:xfrm>
+        </p:grpSpPr>
+        <p:cxnSp>
+          <p:nvCxnSpPr>
+            <p:cNvPr id="21" name="Conector recto de flecha 20">
+              <a:extLst>
+                <a:ext uri="{FF2B5EF4-FFF2-40B4-BE49-F238E27FC236}">
+                  <a16:creationId xmlns:a16="http://schemas.microsoft.com/office/drawing/2014/main" id="{E9BA87EF-4B28-9506-59AC-D08FA754D45B}"/>
+                </a:ext>
+              </a:extLst>
+            </p:cNvPr>
+            <p:cNvCxnSpPr/>
+            <p:nvPr/>
+          </p:nvCxnSpPr>
+          <p:spPr>
+            <a:xfrm>
+              <a:off x="3487131" y="2010403"/>
+              <a:ext cx="1313330" cy="0"/>
+            </a:xfrm>
+            <a:prstGeom prst="straightConnector1">
+              <a:avLst/>
+            </a:prstGeom>
+            <a:ln w="38100">
+              <a:solidFill>
+                <a:srgbClr val="FFC000"/>
+              </a:solidFill>
+              <a:tailEnd type="triangle"/>
+            </a:ln>
+          </p:spPr>
+          <p:style>
+            <a:lnRef idx="2">
+              <a:schemeClr val="accent1"/>
+            </a:lnRef>
+            <a:fillRef idx="0">
+              <a:schemeClr val="accent1"/>
+            </a:fillRef>
+            <a:effectRef idx="1">
+              <a:schemeClr val="accent1"/>
+            </a:effectRef>
+            <a:fontRef idx="minor">
+              <a:schemeClr val="tx1"/>
+            </a:fontRef>
+          </p:style>
+        </p:cxnSp>
+        <p:cxnSp>
+          <p:nvCxnSpPr>
+            <p:cNvPr id="23" name="Conector recto de flecha 22">
+              <a:extLst>
+                <a:ext uri="{FF2B5EF4-FFF2-40B4-BE49-F238E27FC236}">
+                  <a16:creationId xmlns:a16="http://schemas.microsoft.com/office/drawing/2014/main" id="{8EAB514B-2AD6-D45E-B78D-A3B0EEA6EB3E}"/>
+                </a:ext>
+              </a:extLst>
+            </p:cNvPr>
+            <p:cNvCxnSpPr>
+              <a:cxnSpLocks/>
+            </p:cNvCxnSpPr>
+            <p:nvPr/>
+          </p:nvCxnSpPr>
+          <p:spPr>
+            <a:xfrm flipH="1">
+              <a:off x="3473754" y="2344270"/>
+              <a:ext cx="1313330" cy="0"/>
+            </a:xfrm>
+            <a:prstGeom prst="straightConnector1">
+              <a:avLst/>
+            </a:prstGeom>
+            <a:ln w="38100">
+              <a:solidFill>
+                <a:srgbClr val="FFC000"/>
+              </a:solidFill>
+              <a:tailEnd type="triangle"/>
+            </a:ln>
+          </p:spPr>
+          <p:style>
+            <a:lnRef idx="2">
+              <a:schemeClr val="accent1"/>
+            </a:lnRef>
+            <a:fillRef idx="0">
+              <a:schemeClr val="accent1"/>
+            </a:fillRef>
+            <a:effectRef idx="1">
+              <a:schemeClr val="accent1"/>
+            </a:effectRef>
+            <a:fontRef idx="minor">
+              <a:schemeClr val="tx1"/>
+            </a:fontRef>
+          </p:style>
+        </p:cxnSp>
+        <p:sp>
+          <p:nvSpPr>
+            <p:cNvPr id="35" name="CuadroTexto 34">
+              <a:extLst>
+                <a:ext uri="{FF2B5EF4-FFF2-40B4-BE49-F238E27FC236}">
+                  <a16:creationId xmlns:a16="http://schemas.microsoft.com/office/drawing/2014/main" id="{698B2A88-AF33-0DF9-E33B-42EDFF52A0A7}"/>
+                </a:ext>
+              </a:extLst>
+            </p:cNvPr>
+            <p:cNvSpPr txBox="1"/>
+            <p:nvPr/>
+          </p:nvSpPr>
+          <p:spPr>
+            <a:xfrm>
+              <a:off x="3397415" y="1716598"/>
+              <a:ext cx="1403046" cy="276999"/>
+            </a:xfrm>
+            <a:prstGeom prst="rect">
+              <a:avLst/>
+            </a:prstGeom>
+            <a:noFill/>
+          </p:spPr>
+          <p:txBody>
+            <a:bodyPr wrap="square" rtlCol="0">
+              <a:spAutoFit/>
+            </a:bodyPr>
+            <a:lstStyle/>
+            <a:p>
+              <a:pPr algn="ctr"/>
+              <a:r>
+                <a:rPr lang="es-ES" sz="1200" dirty="0">
+                  <a:latin typeface="Geist Mono" pitchFamily="2" charset="77"/>
+                  <a:ea typeface="Geist Mono" pitchFamily="2" charset="77"/>
+                  <a:cs typeface="Geist Mono" pitchFamily="2" charset="77"/>
+                </a:rPr>
+                <a:t>requests</a:t>
+              </a:r>
+            </a:p>
+          </p:txBody>
+        </p:sp>
+        <p:sp>
+          <p:nvSpPr>
+            <p:cNvPr id="36" name="CuadroTexto 35">
+              <a:extLst>
+                <a:ext uri="{FF2B5EF4-FFF2-40B4-BE49-F238E27FC236}">
+                  <a16:creationId xmlns:a16="http://schemas.microsoft.com/office/drawing/2014/main" id="{1FA3E9FA-ECCA-33E9-351E-599851937C67}"/>
+                </a:ext>
+              </a:extLst>
+            </p:cNvPr>
+            <p:cNvSpPr txBox="1"/>
+            <p:nvPr/>
+          </p:nvSpPr>
+          <p:spPr>
+            <a:xfrm>
+              <a:off x="3397414" y="2344086"/>
+              <a:ext cx="1479385" cy="276999"/>
+            </a:xfrm>
+            <a:prstGeom prst="rect">
+              <a:avLst/>
+            </a:prstGeom>
+            <a:noFill/>
+          </p:spPr>
+          <p:txBody>
+            <a:bodyPr wrap="square" rtlCol="0">
+              <a:spAutoFit/>
+            </a:bodyPr>
+            <a:lstStyle/>
+            <a:p>
+              <a:pPr algn="ctr"/>
+              <a:r>
+                <a:rPr lang="es-ES" sz="1200" dirty="0">
+                  <a:latin typeface="Geist Mono" pitchFamily="2" charset="77"/>
+                  <a:ea typeface="Geist Mono" pitchFamily="2" charset="77"/>
+                  <a:cs typeface="Geist Mono" pitchFamily="2" charset="77"/>
+                </a:rPr>
+                <a:t>respuesta</a:t>
+              </a:r>
+            </a:p>
+          </p:txBody>
+        </p:sp>
+      </p:grpSp>
+      <p:grpSp>
+        <p:nvGrpSpPr>
+          <p:cNvPr id="38" name="Grupo 37">
+            <a:extLst>
+              <a:ext uri="{FF2B5EF4-FFF2-40B4-BE49-F238E27FC236}">
+                <a16:creationId xmlns:a16="http://schemas.microsoft.com/office/drawing/2014/main" id="{A3D2AD8F-0384-9CBF-B914-DC2B76FD6B9C}"/>
+              </a:ext>
+            </a:extLst>
+          </p:cNvPr>
+          <p:cNvGrpSpPr/>
+          <p:nvPr/>
+        </p:nvGrpSpPr>
+        <p:grpSpPr>
+          <a:xfrm>
+            <a:off x="7569402" y="1706663"/>
+            <a:ext cx="1479385" cy="1099088"/>
+            <a:chOff x="3397414" y="1706663"/>
+            <a:chExt cx="1479385" cy="1099088"/>
+          </a:xfrm>
+        </p:grpSpPr>
+        <p:cxnSp>
+          <p:nvCxnSpPr>
+            <p:cNvPr id="39" name="Conector recto de flecha 38">
+              <a:extLst>
+                <a:ext uri="{FF2B5EF4-FFF2-40B4-BE49-F238E27FC236}">
+                  <a16:creationId xmlns:a16="http://schemas.microsoft.com/office/drawing/2014/main" id="{458280D6-2787-6901-29C5-C62EA4DE7934}"/>
+                </a:ext>
+              </a:extLst>
+            </p:cNvPr>
+            <p:cNvCxnSpPr/>
+            <p:nvPr/>
+          </p:nvCxnSpPr>
+          <p:spPr>
+            <a:xfrm>
+              <a:off x="3487131" y="2010403"/>
+              <a:ext cx="1313330" cy="0"/>
+            </a:xfrm>
+            <a:prstGeom prst="straightConnector1">
+              <a:avLst/>
+            </a:prstGeom>
+            <a:ln w="38100">
+              <a:solidFill>
+                <a:srgbClr val="FFC000"/>
+              </a:solidFill>
+              <a:tailEnd type="triangle"/>
+            </a:ln>
+          </p:spPr>
+          <p:style>
+            <a:lnRef idx="2">
+              <a:schemeClr val="accent1"/>
+            </a:lnRef>
+            <a:fillRef idx="0">
+              <a:schemeClr val="accent1"/>
+            </a:fillRef>
+            <a:effectRef idx="1">
+              <a:schemeClr val="accent1"/>
+            </a:effectRef>
+            <a:fontRef idx="minor">
+              <a:schemeClr val="tx1"/>
+            </a:fontRef>
+          </p:style>
+        </p:cxnSp>
+        <p:cxnSp>
+          <p:nvCxnSpPr>
+            <p:cNvPr id="40" name="Conector recto de flecha 39">
+              <a:extLst>
+                <a:ext uri="{FF2B5EF4-FFF2-40B4-BE49-F238E27FC236}">
+                  <a16:creationId xmlns:a16="http://schemas.microsoft.com/office/drawing/2014/main" id="{DAC7E519-8C8A-B341-E46E-DA1750F37E0F}"/>
+                </a:ext>
+              </a:extLst>
+            </p:cNvPr>
+            <p:cNvCxnSpPr>
+              <a:cxnSpLocks/>
+            </p:cNvCxnSpPr>
+            <p:nvPr/>
+          </p:nvCxnSpPr>
+          <p:spPr>
+            <a:xfrm flipH="1">
+              <a:off x="3473754" y="2344270"/>
+              <a:ext cx="1313330" cy="0"/>
+            </a:xfrm>
+            <a:prstGeom prst="straightConnector1">
+              <a:avLst/>
+            </a:prstGeom>
+            <a:ln w="38100">
+              <a:solidFill>
+                <a:srgbClr val="FFC000"/>
+              </a:solidFill>
+              <a:tailEnd type="triangle"/>
+            </a:ln>
+          </p:spPr>
+          <p:style>
+            <a:lnRef idx="2">
+              <a:schemeClr val="accent1"/>
+            </a:lnRef>
+            <a:fillRef idx="0">
+              <a:schemeClr val="accent1"/>
+            </a:fillRef>
+            <a:effectRef idx="1">
+              <a:schemeClr val="accent1"/>
+            </a:effectRef>
+            <a:fontRef idx="minor">
+              <a:schemeClr val="tx1"/>
+            </a:fontRef>
+          </p:style>
+        </p:cxnSp>
+        <p:sp>
+          <p:nvSpPr>
+            <p:cNvPr id="41" name="CuadroTexto 40">
+              <a:extLst>
+                <a:ext uri="{FF2B5EF4-FFF2-40B4-BE49-F238E27FC236}">
+                  <a16:creationId xmlns:a16="http://schemas.microsoft.com/office/drawing/2014/main" id="{E364F416-BEB8-CF64-A868-4CCA4CDA98FD}"/>
+                </a:ext>
+              </a:extLst>
+            </p:cNvPr>
+            <p:cNvSpPr txBox="1"/>
+            <p:nvPr/>
+          </p:nvSpPr>
+          <p:spPr>
+            <a:xfrm>
+              <a:off x="3397415" y="1706663"/>
+              <a:ext cx="1403046" cy="276999"/>
+            </a:xfrm>
+            <a:prstGeom prst="rect">
+              <a:avLst/>
+            </a:prstGeom>
+            <a:noFill/>
+          </p:spPr>
+          <p:txBody>
+            <a:bodyPr wrap="square" rtlCol="0">
+              <a:spAutoFit/>
+            </a:bodyPr>
+            <a:lstStyle/>
+            <a:p>
+              <a:pPr algn="ctr"/>
+              <a:r>
+                <a:rPr lang="es-ES" sz="1200" dirty="0">
+                  <a:latin typeface="Geist Mono" pitchFamily="2" charset="77"/>
+                  <a:ea typeface="Geist Mono" pitchFamily="2" charset="77"/>
+                  <a:cs typeface="Geist Mono" pitchFamily="2" charset="77"/>
+                </a:rPr>
+                <a:t>Recibe pedido</a:t>
+              </a:r>
+            </a:p>
+          </p:txBody>
+        </p:sp>
+        <p:sp>
+          <p:nvSpPr>
+            <p:cNvPr id="42" name="CuadroTexto 41">
+              <a:extLst>
+                <a:ext uri="{FF2B5EF4-FFF2-40B4-BE49-F238E27FC236}">
+                  <a16:creationId xmlns:a16="http://schemas.microsoft.com/office/drawing/2014/main" id="{FA4F9B8E-46C9-0F02-15F0-19549B3AE4EC}"/>
+                </a:ext>
+              </a:extLst>
+            </p:cNvPr>
+            <p:cNvSpPr txBox="1"/>
+            <p:nvPr/>
+          </p:nvSpPr>
+          <p:spPr>
+            <a:xfrm>
+              <a:off x="3397414" y="2344086"/>
+              <a:ext cx="1479385" cy="461665"/>
+            </a:xfrm>
+            <a:prstGeom prst="rect">
+              <a:avLst/>
+            </a:prstGeom>
+            <a:noFill/>
+          </p:spPr>
+          <p:txBody>
+            <a:bodyPr wrap="square" rtlCol="0">
+              <a:spAutoFit/>
+            </a:bodyPr>
+            <a:lstStyle/>
+            <a:p>
+              <a:pPr algn="ctr"/>
+              <a:r>
+                <a:rPr lang="es-ES" sz="1200" dirty="0">
+                  <a:latin typeface="Geist Mono" pitchFamily="2" charset="77"/>
+                  <a:ea typeface="Geist Mono" pitchFamily="2" charset="77"/>
+                  <a:cs typeface="Geist Mono" pitchFamily="2" charset="77"/>
+                </a:rPr>
+                <a:t>Entrega el pedido</a:t>
+              </a:r>
+            </a:p>
+          </p:txBody>
+        </p:sp>
+      </p:grpSp>
+      <p:sp>
+        <p:nvSpPr>
+          <p:cNvPr id="43" name="CuadroTexto 42">
+            <a:extLst>
+              <a:ext uri="{FF2B5EF4-FFF2-40B4-BE49-F238E27FC236}">
+                <a16:creationId xmlns:a16="http://schemas.microsoft.com/office/drawing/2014/main" id="{4819426A-FB29-533D-2CCD-42B6339CC95E}"/>
+              </a:ext>
+            </a:extLst>
+          </p:cNvPr>
+          <p:cNvSpPr txBox="1"/>
+          <p:nvPr/>
+        </p:nvSpPr>
+        <p:spPr>
+          <a:xfrm>
+            <a:off x="9206884" y="163306"/>
+            <a:ext cx="2252934" cy="276999"/>
+          </a:xfrm>
+          <a:prstGeom prst="rect">
+            <a:avLst/>
+          </a:prstGeom>
+          <a:noFill/>
+        </p:spPr>
+        <p:txBody>
+          <a:bodyPr wrap="square" rtlCol="0">
+            <a:spAutoFit/>
+          </a:bodyPr>
+          <a:lstStyle/>
+          <a:p>
+            <a:pPr algn="ctr"/>
+            <a:r>
+              <a:rPr lang="es-ES" sz="1200" dirty="0">
+                <a:latin typeface="Geist Mono" pitchFamily="2" charset="77"/>
+                <a:ea typeface="Geist Mono" pitchFamily="2" charset="77"/>
+                <a:cs typeface="Geist Mono" pitchFamily="2" charset="77"/>
+              </a:rPr>
+              <a:t>Chef</a:t>
+            </a:r>
+          </a:p>
+        </p:txBody>
+      </p:sp>
     </p:spTree>
     <p:extLst>
       <p:ext uri="{BB962C8B-B14F-4D97-AF65-F5344CB8AC3E}">

--- a/02-Imagenes/API/PowerPointImagenes.pptx
+++ b/02-Imagenes/API/PowerPointImagenes.pptx
@@ -6,6 +6,7 @@
   </p:sldMasterIdLst>
   <p:sldIdLst>
     <p:sldId id="256" r:id="rId2"/>
+    <p:sldId id="257" r:id="rId3"/>
   </p:sldIdLst>
   <p:sldSz cx="12192000" cy="6858000"/>
   <p:notesSz cx="6858000" cy="9144000"/>
@@ -3321,102 +3322,12 @@
           <a:chExt cx="0" cy="0"/>
         </a:xfrm>
       </p:grpSpPr>
-      <p:pic>
-        <p:nvPicPr>
-          <p:cNvPr id="15" name="Imagen 14" descr="Icono&#10;&#10;Descripción generada automáticamente">
-            <a:extLst>
-              <a:ext uri="{FF2B5EF4-FFF2-40B4-BE49-F238E27FC236}">
-                <a16:creationId xmlns:a16="http://schemas.microsoft.com/office/drawing/2014/main" id="{EE5B6C21-70D9-4453-82CA-15BF3DA10A56}"/>
-              </a:ext>
-            </a:extLst>
-          </p:cNvPr>
-          <p:cNvPicPr>
-            <a:picLocks noChangeAspect="1"/>
-          </p:cNvPicPr>
-          <p:nvPr/>
-        </p:nvPicPr>
-        <p:blipFill>
-          <a:blip r:embed="rId2"/>
-          <a:stretch>
-            <a:fillRect/>
-          </a:stretch>
-        </p:blipFill>
-        <p:spPr>
-          <a:xfrm>
-            <a:off x="4302989" y="0"/>
-            <a:ext cx="3819236" cy="3893127"/>
-          </a:xfrm>
-          <a:prstGeom prst="rect">
-            <a:avLst/>
-          </a:prstGeom>
-        </p:spPr>
-      </p:pic>
-      <p:pic>
-        <p:nvPicPr>
-          <p:cNvPr id="17" name="Imagen 16" descr="Icono&#10;&#10;Descripción generada automáticamente">
-            <a:extLst>
-              <a:ext uri="{FF2B5EF4-FFF2-40B4-BE49-F238E27FC236}">
-                <a16:creationId xmlns:a16="http://schemas.microsoft.com/office/drawing/2014/main" id="{202588D3-BF7B-2CB3-6910-8E6E8F3F0650}"/>
-              </a:ext>
-            </a:extLst>
-          </p:cNvPr>
-          <p:cNvPicPr>
-            <a:picLocks noChangeAspect="1"/>
-          </p:cNvPicPr>
-          <p:nvPr/>
-        </p:nvPicPr>
-        <p:blipFill>
-          <a:blip r:embed="rId3"/>
-          <a:stretch>
-            <a:fillRect/>
-          </a:stretch>
-        </p:blipFill>
-        <p:spPr>
-          <a:xfrm>
-            <a:off x="8606098" y="214609"/>
-            <a:ext cx="3463907" cy="3308588"/>
-          </a:xfrm>
-          <a:prstGeom prst="rect">
-            <a:avLst/>
-          </a:prstGeom>
-        </p:spPr>
-      </p:pic>
-      <p:pic>
-        <p:nvPicPr>
-          <p:cNvPr id="19" name="Imagen 18" descr="Icono&#10;&#10;Descripción generada automáticamente">
-            <a:extLst>
-              <a:ext uri="{FF2B5EF4-FFF2-40B4-BE49-F238E27FC236}">
-                <a16:creationId xmlns:a16="http://schemas.microsoft.com/office/drawing/2014/main" id="{FA8CE312-211C-7809-6923-E01D3C18001A}"/>
-              </a:ext>
-            </a:extLst>
-          </p:cNvPr>
-          <p:cNvPicPr>
-            <a:picLocks noChangeAspect="1"/>
-          </p:cNvPicPr>
-          <p:nvPr/>
-        </p:nvPicPr>
-        <p:blipFill>
-          <a:blip r:embed="rId4"/>
-          <a:stretch>
-            <a:fillRect/>
-          </a:stretch>
-        </p:blipFill>
-        <p:spPr>
-          <a:xfrm>
-            <a:off x="138954" y="443821"/>
-            <a:ext cx="3079376" cy="3079376"/>
-          </a:xfrm>
-          <a:prstGeom prst="rect">
-            <a:avLst/>
-          </a:prstGeom>
-        </p:spPr>
-      </p:pic>
       <p:grpSp>
         <p:nvGrpSpPr>
-          <p:cNvPr id="37" name="Grupo 36">
-            <a:extLst>
-              <a:ext uri="{FF2B5EF4-FFF2-40B4-BE49-F238E27FC236}">
-                <a16:creationId xmlns:a16="http://schemas.microsoft.com/office/drawing/2014/main" id="{B3C295C1-2CE1-1CA0-01A1-FD7C1E7BF259}"/>
+          <p:cNvPr id="47" name="Grupo 46">
+            <a:extLst>
+              <a:ext uri="{FF2B5EF4-FFF2-40B4-BE49-F238E27FC236}">
+                <a16:creationId xmlns:a16="http://schemas.microsoft.com/office/drawing/2014/main" id="{C540DCDE-3AFA-F8DE-E4B9-E8994C7005AD}"/>
               </a:ext>
             </a:extLst>
           </p:cNvPr>
@@ -3425,18 +3336,906 @@
         </p:nvGrpSpPr>
         <p:grpSpPr>
           <a:xfrm>
-            <a:off x="3397414" y="1716598"/>
-            <a:ext cx="1479385" cy="904487"/>
-            <a:chOff x="3397414" y="1716598"/>
-            <a:chExt cx="1479385" cy="904487"/>
+            <a:off x="138954" y="0"/>
+            <a:ext cx="11931051" cy="3893127"/>
+            <a:chOff x="138954" y="0"/>
+            <a:chExt cx="11931051" cy="3893127"/>
           </a:xfrm>
         </p:grpSpPr>
+        <p:pic>
+          <p:nvPicPr>
+            <p:cNvPr id="15" name="Imagen 14" descr="Icono&#10;&#10;Descripción generada automáticamente">
+              <a:extLst>
+                <a:ext uri="{FF2B5EF4-FFF2-40B4-BE49-F238E27FC236}">
+                  <a16:creationId xmlns:a16="http://schemas.microsoft.com/office/drawing/2014/main" id="{EE5B6C21-70D9-4453-82CA-15BF3DA10A56}"/>
+                </a:ext>
+              </a:extLst>
+            </p:cNvPr>
+            <p:cNvPicPr>
+              <a:picLocks noChangeAspect="1"/>
+            </p:cNvPicPr>
+            <p:nvPr/>
+          </p:nvPicPr>
+          <p:blipFill>
+            <a:blip r:embed="rId2"/>
+            <a:stretch>
+              <a:fillRect/>
+            </a:stretch>
+          </p:blipFill>
+          <p:spPr>
+            <a:xfrm>
+              <a:off x="4302989" y="0"/>
+              <a:ext cx="3819236" cy="3893127"/>
+            </a:xfrm>
+            <a:prstGeom prst="rect">
+              <a:avLst/>
+            </a:prstGeom>
+          </p:spPr>
+        </p:pic>
+        <p:pic>
+          <p:nvPicPr>
+            <p:cNvPr id="17" name="Imagen 16" descr="Icono&#10;&#10;Descripción generada automáticamente">
+              <a:extLst>
+                <a:ext uri="{FF2B5EF4-FFF2-40B4-BE49-F238E27FC236}">
+                  <a16:creationId xmlns:a16="http://schemas.microsoft.com/office/drawing/2014/main" id="{202588D3-BF7B-2CB3-6910-8E6E8F3F0650}"/>
+                </a:ext>
+              </a:extLst>
+            </p:cNvPr>
+            <p:cNvPicPr>
+              <a:picLocks noChangeAspect="1"/>
+            </p:cNvPicPr>
+            <p:nvPr/>
+          </p:nvPicPr>
+          <p:blipFill>
+            <a:blip r:embed="rId3"/>
+            <a:stretch>
+              <a:fillRect/>
+            </a:stretch>
+          </p:blipFill>
+          <p:spPr>
+            <a:xfrm>
+              <a:off x="8606098" y="214609"/>
+              <a:ext cx="3463907" cy="3308588"/>
+            </a:xfrm>
+            <a:prstGeom prst="rect">
+              <a:avLst/>
+            </a:prstGeom>
+          </p:spPr>
+        </p:pic>
+        <p:pic>
+          <p:nvPicPr>
+            <p:cNvPr id="19" name="Imagen 18" descr="Icono&#10;&#10;Descripción generada automáticamente">
+              <a:extLst>
+                <a:ext uri="{FF2B5EF4-FFF2-40B4-BE49-F238E27FC236}">
+                  <a16:creationId xmlns:a16="http://schemas.microsoft.com/office/drawing/2014/main" id="{FA8CE312-211C-7809-6923-E01D3C18001A}"/>
+                </a:ext>
+              </a:extLst>
+            </p:cNvPr>
+            <p:cNvPicPr>
+              <a:picLocks noChangeAspect="1"/>
+            </p:cNvPicPr>
+            <p:nvPr/>
+          </p:nvPicPr>
+          <p:blipFill>
+            <a:blip r:embed="rId4"/>
+            <a:stretch>
+              <a:fillRect/>
+            </a:stretch>
+          </p:blipFill>
+          <p:spPr>
+            <a:xfrm>
+              <a:off x="138954" y="443821"/>
+              <a:ext cx="3079376" cy="3079376"/>
+            </a:xfrm>
+            <a:prstGeom prst="rect">
+              <a:avLst/>
+            </a:prstGeom>
+          </p:spPr>
+        </p:pic>
+        <p:grpSp>
+          <p:nvGrpSpPr>
+            <p:cNvPr id="37" name="Grupo 36">
+              <a:extLst>
+                <a:ext uri="{FF2B5EF4-FFF2-40B4-BE49-F238E27FC236}">
+                  <a16:creationId xmlns:a16="http://schemas.microsoft.com/office/drawing/2014/main" id="{B3C295C1-2CE1-1CA0-01A1-FD7C1E7BF259}"/>
+                </a:ext>
+              </a:extLst>
+            </p:cNvPr>
+            <p:cNvGrpSpPr/>
+            <p:nvPr/>
+          </p:nvGrpSpPr>
+          <p:grpSpPr>
+            <a:xfrm>
+              <a:off x="3397414" y="1716598"/>
+              <a:ext cx="1479385" cy="904487"/>
+              <a:chOff x="3397414" y="1716598"/>
+              <a:chExt cx="1479385" cy="904487"/>
+            </a:xfrm>
+          </p:grpSpPr>
+          <p:cxnSp>
+            <p:nvCxnSpPr>
+              <p:cNvPr id="21" name="Conector recto de flecha 20">
+                <a:extLst>
+                  <a:ext uri="{FF2B5EF4-FFF2-40B4-BE49-F238E27FC236}">
+                    <a16:creationId xmlns:a16="http://schemas.microsoft.com/office/drawing/2014/main" id="{E9BA87EF-4B28-9506-59AC-D08FA754D45B}"/>
+                  </a:ext>
+                </a:extLst>
+              </p:cNvPr>
+              <p:cNvCxnSpPr/>
+              <p:nvPr/>
+            </p:nvCxnSpPr>
+            <p:spPr>
+              <a:xfrm>
+                <a:off x="3487131" y="2010403"/>
+                <a:ext cx="1313330" cy="0"/>
+              </a:xfrm>
+              <a:prstGeom prst="straightConnector1">
+                <a:avLst/>
+              </a:prstGeom>
+              <a:ln w="38100">
+                <a:solidFill>
+                  <a:srgbClr val="FFC000"/>
+                </a:solidFill>
+                <a:tailEnd type="triangle"/>
+              </a:ln>
+            </p:spPr>
+            <p:style>
+              <a:lnRef idx="2">
+                <a:schemeClr val="accent1"/>
+              </a:lnRef>
+              <a:fillRef idx="0">
+                <a:schemeClr val="accent1"/>
+              </a:fillRef>
+              <a:effectRef idx="1">
+                <a:schemeClr val="accent1"/>
+              </a:effectRef>
+              <a:fontRef idx="minor">
+                <a:schemeClr val="tx1"/>
+              </a:fontRef>
+            </p:style>
+          </p:cxnSp>
+          <p:cxnSp>
+            <p:nvCxnSpPr>
+              <p:cNvPr id="23" name="Conector recto de flecha 22">
+                <a:extLst>
+                  <a:ext uri="{FF2B5EF4-FFF2-40B4-BE49-F238E27FC236}">
+                    <a16:creationId xmlns:a16="http://schemas.microsoft.com/office/drawing/2014/main" id="{8EAB514B-2AD6-D45E-B78D-A3B0EEA6EB3E}"/>
+                  </a:ext>
+                </a:extLst>
+              </p:cNvPr>
+              <p:cNvCxnSpPr>
+                <a:cxnSpLocks/>
+              </p:cNvCxnSpPr>
+              <p:nvPr/>
+            </p:nvCxnSpPr>
+            <p:spPr>
+              <a:xfrm flipH="1">
+                <a:off x="3473754" y="2344270"/>
+                <a:ext cx="1313330" cy="0"/>
+              </a:xfrm>
+              <a:prstGeom prst="straightConnector1">
+                <a:avLst/>
+              </a:prstGeom>
+              <a:ln w="38100">
+                <a:solidFill>
+                  <a:srgbClr val="FFC000"/>
+                </a:solidFill>
+                <a:tailEnd type="triangle"/>
+              </a:ln>
+            </p:spPr>
+            <p:style>
+              <a:lnRef idx="2">
+                <a:schemeClr val="accent1"/>
+              </a:lnRef>
+              <a:fillRef idx="0">
+                <a:schemeClr val="accent1"/>
+              </a:fillRef>
+              <a:effectRef idx="1">
+                <a:schemeClr val="accent1"/>
+              </a:effectRef>
+              <a:fontRef idx="minor">
+                <a:schemeClr val="tx1"/>
+              </a:fontRef>
+            </p:style>
+          </p:cxnSp>
+          <p:sp>
+            <p:nvSpPr>
+              <p:cNvPr id="35" name="CuadroTexto 34">
+                <a:extLst>
+                  <a:ext uri="{FF2B5EF4-FFF2-40B4-BE49-F238E27FC236}">
+                    <a16:creationId xmlns:a16="http://schemas.microsoft.com/office/drawing/2014/main" id="{698B2A88-AF33-0DF9-E33B-42EDFF52A0A7}"/>
+                  </a:ext>
+                </a:extLst>
+              </p:cNvPr>
+              <p:cNvSpPr txBox="1"/>
+              <p:nvPr/>
+            </p:nvSpPr>
+            <p:spPr>
+              <a:xfrm>
+                <a:off x="3397415" y="1716598"/>
+                <a:ext cx="1403046" cy="276999"/>
+              </a:xfrm>
+              <a:prstGeom prst="rect">
+                <a:avLst/>
+              </a:prstGeom>
+              <a:noFill/>
+            </p:spPr>
+            <p:txBody>
+              <a:bodyPr wrap="square" rtlCol="0">
+                <a:spAutoFit/>
+              </a:bodyPr>
+              <a:lstStyle/>
+              <a:p>
+                <a:pPr algn="ctr"/>
+                <a:r>
+                  <a:rPr lang="es-ES" sz="1200" dirty="0">
+                    <a:latin typeface="Geist Mono" pitchFamily="2" charset="77"/>
+                    <a:ea typeface="Geist Mono" pitchFamily="2" charset="77"/>
+                    <a:cs typeface="Geist Mono" pitchFamily="2" charset="77"/>
+                  </a:rPr>
+                  <a:t>requests</a:t>
+                </a:r>
+              </a:p>
+            </p:txBody>
+          </p:sp>
+          <p:sp>
+            <p:nvSpPr>
+              <p:cNvPr id="36" name="CuadroTexto 35">
+                <a:extLst>
+                  <a:ext uri="{FF2B5EF4-FFF2-40B4-BE49-F238E27FC236}">
+                    <a16:creationId xmlns:a16="http://schemas.microsoft.com/office/drawing/2014/main" id="{1FA3E9FA-ECCA-33E9-351E-599851937C67}"/>
+                  </a:ext>
+                </a:extLst>
+              </p:cNvPr>
+              <p:cNvSpPr txBox="1"/>
+              <p:nvPr/>
+            </p:nvSpPr>
+            <p:spPr>
+              <a:xfrm>
+                <a:off x="3397414" y="2344086"/>
+                <a:ext cx="1479385" cy="276999"/>
+              </a:xfrm>
+              <a:prstGeom prst="rect">
+                <a:avLst/>
+              </a:prstGeom>
+              <a:noFill/>
+            </p:spPr>
+            <p:txBody>
+              <a:bodyPr wrap="square" rtlCol="0">
+                <a:spAutoFit/>
+              </a:bodyPr>
+              <a:lstStyle/>
+              <a:p>
+                <a:pPr algn="ctr"/>
+                <a:r>
+                  <a:rPr lang="es-ES" sz="1200" dirty="0">
+                    <a:latin typeface="Geist Mono" pitchFamily="2" charset="77"/>
+                    <a:ea typeface="Geist Mono" pitchFamily="2" charset="77"/>
+                    <a:cs typeface="Geist Mono" pitchFamily="2" charset="77"/>
+                  </a:rPr>
+                  <a:t>respuesta</a:t>
+                </a:r>
+              </a:p>
+            </p:txBody>
+          </p:sp>
+        </p:grpSp>
+        <p:grpSp>
+          <p:nvGrpSpPr>
+            <p:cNvPr id="38" name="Grupo 37">
+              <a:extLst>
+                <a:ext uri="{FF2B5EF4-FFF2-40B4-BE49-F238E27FC236}">
+                  <a16:creationId xmlns:a16="http://schemas.microsoft.com/office/drawing/2014/main" id="{A3D2AD8F-0384-9CBF-B914-DC2B76FD6B9C}"/>
+                </a:ext>
+              </a:extLst>
+            </p:cNvPr>
+            <p:cNvGrpSpPr/>
+            <p:nvPr/>
+          </p:nvGrpSpPr>
+          <p:grpSpPr>
+            <a:xfrm>
+              <a:off x="7569402" y="1706663"/>
+              <a:ext cx="1479385" cy="914422"/>
+              <a:chOff x="3397414" y="1706663"/>
+              <a:chExt cx="1479385" cy="914422"/>
+            </a:xfrm>
+          </p:grpSpPr>
+          <p:cxnSp>
+            <p:nvCxnSpPr>
+              <p:cNvPr id="39" name="Conector recto de flecha 38">
+                <a:extLst>
+                  <a:ext uri="{FF2B5EF4-FFF2-40B4-BE49-F238E27FC236}">
+                    <a16:creationId xmlns:a16="http://schemas.microsoft.com/office/drawing/2014/main" id="{458280D6-2787-6901-29C5-C62EA4DE7934}"/>
+                  </a:ext>
+                </a:extLst>
+              </p:cNvPr>
+              <p:cNvCxnSpPr/>
+              <p:nvPr/>
+            </p:nvCxnSpPr>
+            <p:spPr>
+              <a:xfrm>
+                <a:off x="3487131" y="2010403"/>
+                <a:ext cx="1313330" cy="0"/>
+              </a:xfrm>
+              <a:prstGeom prst="straightConnector1">
+                <a:avLst/>
+              </a:prstGeom>
+              <a:ln w="38100">
+                <a:solidFill>
+                  <a:srgbClr val="FFC000"/>
+                </a:solidFill>
+                <a:tailEnd type="triangle"/>
+              </a:ln>
+            </p:spPr>
+            <p:style>
+              <a:lnRef idx="2">
+                <a:schemeClr val="accent1"/>
+              </a:lnRef>
+              <a:fillRef idx="0">
+                <a:schemeClr val="accent1"/>
+              </a:fillRef>
+              <a:effectRef idx="1">
+                <a:schemeClr val="accent1"/>
+              </a:effectRef>
+              <a:fontRef idx="minor">
+                <a:schemeClr val="tx1"/>
+              </a:fontRef>
+            </p:style>
+          </p:cxnSp>
+          <p:cxnSp>
+            <p:nvCxnSpPr>
+              <p:cNvPr id="40" name="Conector recto de flecha 39">
+                <a:extLst>
+                  <a:ext uri="{FF2B5EF4-FFF2-40B4-BE49-F238E27FC236}">
+                    <a16:creationId xmlns:a16="http://schemas.microsoft.com/office/drawing/2014/main" id="{DAC7E519-8C8A-B341-E46E-DA1750F37E0F}"/>
+                  </a:ext>
+                </a:extLst>
+              </p:cNvPr>
+              <p:cNvCxnSpPr>
+                <a:cxnSpLocks/>
+              </p:cNvCxnSpPr>
+              <p:nvPr/>
+            </p:nvCxnSpPr>
+            <p:spPr>
+              <a:xfrm flipH="1">
+                <a:off x="3473754" y="2344270"/>
+                <a:ext cx="1313330" cy="0"/>
+              </a:xfrm>
+              <a:prstGeom prst="straightConnector1">
+                <a:avLst/>
+              </a:prstGeom>
+              <a:ln w="38100">
+                <a:solidFill>
+                  <a:srgbClr val="FFC000"/>
+                </a:solidFill>
+                <a:tailEnd type="triangle"/>
+              </a:ln>
+            </p:spPr>
+            <p:style>
+              <a:lnRef idx="2">
+                <a:schemeClr val="accent1"/>
+              </a:lnRef>
+              <a:fillRef idx="0">
+                <a:schemeClr val="accent1"/>
+              </a:fillRef>
+              <a:effectRef idx="1">
+                <a:schemeClr val="accent1"/>
+              </a:effectRef>
+              <a:fontRef idx="minor">
+                <a:schemeClr val="tx1"/>
+              </a:fontRef>
+            </p:style>
+          </p:cxnSp>
+          <p:sp>
+            <p:nvSpPr>
+              <p:cNvPr id="41" name="CuadroTexto 40">
+                <a:extLst>
+                  <a:ext uri="{FF2B5EF4-FFF2-40B4-BE49-F238E27FC236}">
+                    <a16:creationId xmlns:a16="http://schemas.microsoft.com/office/drawing/2014/main" id="{E364F416-BEB8-CF64-A868-4CCA4CDA98FD}"/>
+                  </a:ext>
+                </a:extLst>
+              </p:cNvPr>
+              <p:cNvSpPr txBox="1"/>
+              <p:nvPr/>
+            </p:nvSpPr>
+            <p:spPr>
+              <a:xfrm>
+                <a:off x="3397415" y="1706663"/>
+                <a:ext cx="1403046" cy="276999"/>
+              </a:xfrm>
+              <a:prstGeom prst="rect">
+                <a:avLst/>
+              </a:prstGeom>
+              <a:noFill/>
+            </p:spPr>
+            <p:txBody>
+              <a:bodyPr wrap="square" rtlCol="0">
+                <a:spAutoFit/>
+              </a:bodyPr>
+              <a:lstStyle/>
+              <a:p>
+                <a:pPr algn="ctr"/>
+                <a:r>
+                  <a:rPr lang="es-ES" sz="1200" dirty="0">
+                    <a:latin typeface="Geist Mono" pitchFamily="2" charset="77"/>
+                    <a:ea typeface="Geist Mono" pitchFamily="2" charset="77"/>
+                    <a:cs typeface="Geist Mono" pitchFamily="2" charset="77"/>
+                  </a:rPr>
+                  <a:t>Recibe pedido</a:t>
+                </a:r>
+              </a:p>
+            </p:txBody>
+          </p:sp>
+          <p:sp>
+            <p:nvSpPr>
+              <p:cNvPr id="42" name="CuadroTexto 41">
+                <a:extLst>
+                  <a:ext uri="{FF2B5EF4-FFF2-40B4-BE49-F238E27FC236}">
+                    <a16:creationId xmlns:a16="http://schemas.microsoft.com/office/drawing/2014/main" id="{FA4F9B8E-46C9-0F02-15F0-19549B3AE4EC}"/>
+                  </a:ext>
+                </a:extLst>
+              </p:cNvPr>
+              <p:cNvSpPr txBox="1"/>
+              <p:nvPr/>
+            </p:nvSpPr>
+            <p:spPr>
+              <a:xfrm>
+                <a:off x="3397414" y="2344086"/>
+                <a:ext cx="1479385" cy="276999"/>
+              </a:xfrm>
+              <a:prstGeom prst="rect">
+                <a:avLst/>
+              </a:prstGeom>
+              <a:noFill/>
+            </p:spPr>
+            <p:txBody>
+              <a:bodyPr wrap="square" rtlCol="0">
+                <a:spAutoFit/>
+              </a:bodyPr>
+              <a:lstStyle/>
+              <a:p>
+                <a:pPr algn="ctr"/>
+                <a:r>
+                  <a:rPr lang="es-ES" sz="1200" dirty="0">
+                    <a:latin typeface="Geist Mono" pitchFamily="2" charset="77"/>
+                    <a:ea typeface="Geist Mono" pitchFamily="2" charset="77"/>
+                    <a:cs typeface="Geist Mono" pitchFamily="2" charset="77"/>
+                  </a:rPr>
+                  <a:t>Entrega pedido</a:t>
+                </a:r>
+              </a:p>
+            </p:txBody>
+          </p:sp>
+        </p:grpSp>
+        <p:sp>
+          <p:nvSpPr>
+            <p:cNvPr id="43" name="CuadroTexto 42">
+              <a:extLst>
+                <a:ext uri="{FF2B5EF4-FFF2-40B4-BE49-F238E27FC236}">
+                  <a16:creationId xmlns:a16="http://schemas.microsoft.com/office/drawing/2014/main" id="{4819426A-FB29-533D-2CCD-42B6339CC95E}"/>
+                </a:ext>
+              </a:extLst>
+            </p:cNvPr>
+            <p:cNvSpPr txBox="1"/>
+            <p:nvPr/>
+          </p:nvSpPr>
+          <p:spPr>
+            <a:xfrm>
+              <a:off x="9206884" y="163306"/>
+              <a:ext cx="2252934" cy="338554"/>
+            </a:xfrm>
+            <a:prstGeom prst="rect">
+              <a:avLst/>
+            </a:prstGeom>
+            <a:noFill/>
+          </p:spPr>
+          <p:txBody>
+            <a:bodyPr wrap="square" rtlCol="0">
+              <a:spAutoFit/>
+            </a:bodyPr>
+            <a:lstStyle/>
+            <a:p>
+              <a:pPr algn="ctr"/>
+              <a:r>
+                <a:rPr lang="es-ES" sz="1600" b="1" dirty="0">
+                  <a:latin typeface="Geist Mono Bold" pitchFamily="2" charset="77"/>
+                  <a:ea typeface="Geist Mono Bold" pitchFamily="2" charset="77"/>
+                  <a:cs typeface="Geist Mono Bold" pitchFamily="2" charset="77"/>
+                </a:rPr>
+                <a:t>Chef</a:t>
+              </a:r>
+              <a:endParaRPr lang="es-ES" sz="1200" b="1" dirty="0">
+                <a:latin typeface="Geist Mono Bold" pitchFamily="2" charset="77"/>
+                <a:ea typeface="Geist Mono Bold" pitchFamily="2" charset="77"/>
+                <a:cs typeface="Geist Mono Bold" pitchFamily="2" charset="77"/>
+              </a:endParaRPr>
+            </a:p>
+          </p:txBody>
+        </p:sp>
+        <p:sp>
+          <p:nvSpPr>
+            <p:cNvPr id="44" name="CuadroTexto 43">
+              <a:extLst>
+                <a:ext uri="{FF2B5EF4-FFF2-40B4-BE49-F238E27FC236}">
+                  <a16:creationId xmlns:a16="http://schemas.microsoft.com/office/drawing/2014/main" id="{34FDD79D-0FF0-C165-9CFC-97546716940A}"/>
+                </a:ext>
+              </a:extLst>
+            </p:cNvPr>
+            <p:cNvSpPr txBox="1"/>
+            <p:nvPr/>
+          </p:nvSpPr>
+          <p:spPr>
+            <a:xfrm>
+              <a:off x="4694528" y="214609"/>
+              <a:ext cx="2252934" cy="338554"/>
+            </a:xfrm>
+            <a:prstGeom prst="rect">
+              <a:avLst/>
+            </a:prstGeom>
+            <a:noFill/>
+          </p:spPr>
+          <p:txBody>
+            <a:bodyPr wrap="square" rtlCol="0">
+              <a:spAutoFit/>
+            </a:bodyPr>
+            <a:lstStyle/>
+            <a:p>
+              <a:pPr algn="ctr"/>
+              <a:r>
+                <a:rPr lang="es-ES" sz="1600" b="1" dirty="0">
+                  <a:latin typeface="Geist Mono Bold" pitchFamily="2" charset="77"/>
+                  <a:ea typeface="Geist Mono Bold" pitchFamily="2" charset="77"/>
+                  <a:cs typeface="Geist Mono Bold" pitchFamily="2" charset="77"/>
+                </a:rPr>
+                <a:t>Camarero</a:t>
+              </a:r>
+              <a:endParaRPr lang="es-ES" sz="1200" b="1" dirty="0">
+                <a:latin typeface="Geist Mono Bold" pitchFamily="2" charset="77"/>
+                <a:ea typeface="Geist Mono Bold" pitchFamily="2" charset="77"/>
+                <a:cs typeface="Geist Mono Bold" pitchFamily="2" charset="77"/>
+              </a:endParaRPr>
+            </a:p>
+          </p:txBody>
+        </p:sp>
+        <p:sp>
+          <p:nvSpPr>
+            <p:cNvPr id="45" name="CuadroTexto 44">
+              <a:extLst>
+                <a:ext uri="{FF2B5EF4-FFF2-40B4-BE49-F238E27FC236}">
+                  <a16:creationId xmlns:a16="http://schemas.microsoft.com/office/drawing/2014/main" id="{23BDEDD4-663E-22D6-FDCC-44B4EF8C11D0}"/>
+                </a:ext>
+              </a:extLst>
+            </p:cNvPr>
+            <p:cNvSpPr txBox="1"/>
+            <p:nvPr/>
+          </p:nvSpPr>
+          <p:spPr>
+            <a:xfrm>
+              <a:off x="552175" y="232232"/>
+              <a:ext cx="2252934" cy="338554"/>
+            </a:xfrm>
+            <a:prstGeom prst="rect">
+              <a:avLst/>
+            </a:prstGeom>
+            <a:noFill/>
+          </p:spPr>
+          <p:txBody>
+            <a:bodyPr wrap="square" rtlCol="0">
+              <a:spAutoFit/>
+            </a:bodyPr>
+            <a:lstStyle/>
+            <a:p>
+              <a:pPr algn="ctr"/>
+              <a:r>
+                <a:rPr lang="es-ES" sz="1600" b="1" dirty="0">
+                  <a:latin typeface="Geist Mono Bold" pitchFamily="2" charset="77"/>
+                  <a:ea typeface="Geist Mono Bold" pitchFamily="2" charset="77"/>
+                  <a:cs typeface="Geist Mono Bold" pitchFamily="2" charset="77"/>
+                </a:rPr>
+                <a:t>Usuarios</a:t>
+              </a:r>
+              <a:endParaRPr lang="es-ES" sz="1200" b="1" dirty="0">
+                <a:latin typeface="Geist Mono Bold" pitchFamily="2" charset="77"/>
+                <a:ea typeface="Geist Mono Bold" pitchFamily="2" charset="77"/>
+                <a:cs typeface="Geist Mono Bold" pitchFamily="2" charset="77"/>
+              </a:endParaRPr>
+            </a:p>
+          </p:txBody>
+        </p:sp>
+        <p:sp>
+          <p:nvSpPr>
+            <p:cNvPr id="46" name="Rectángulo redondeado 45">
+              <a:extLst>
+                <a:ext uri="{FF2B5EF4-FFF2-40B4-BE49-F238E27FC236}">
+                  <a16:creationId xmlns:a16="http://schemas.microsoft.com/office/drawing/2014/main" id="{65280C86-20C7-ED63-E3D5-E46B72A8BBEC}"/>
+                </a:ext>
+              </a:extLst>
+            </p:cNvPr>
+            <p:cNvSpPr/>
+            <p:nvPr/>
+          </p:nvSpPr>
+          <p:spPr>
+            <a:xfrm>
+              <a:off x="138954" y="91440"/>
+              <a:ext cx="11819366" cy="3431757"/>
+            </a:xfrm>
+            <a:prstGeom prst="roundRect">
+              <a:avLst/>
+            </a:prstGeom>
+            <a:noFill/>
+            <a:ln>
+              <a:prstDash val="sysDash"/>
+            </a:ln>
+          </p:spPr>
+          <p:style>
+            <a:lnRef idx="2">
+              <a:schemeClr val="accent1">
+                <a:shade val="15000"/>
+              </a:schemeClr>
+            </a:lnRef>
+            <a:fillRef idx="1">
+              <a:schemeClr val="accent1"/>
+            </a:fillRef>
+            <a:effectRef idx="0">
+              <a:schemeClr val="accent1"/>
+            </a:effectRef>
+            <a:fontRef idx="minor">
+              <a:schemeClr val="lt1"/>
+            </a:fontRef>
+          </p:style>
+          <p:txBody>
+            <a:bodyPr rtlCol="0" anchor="ctr"/>
+            <a:lstStyle/>
+            <a:p>
+              <a:pPr algn="ctr"/>
+              <a:endParaRPr lang="es-ES"/>
+            </a:p>
+          </p:txBody>
+        </p:sp>
+      </p:grpSp>
+      <p:grpSp>
+        <p:nvGrpSpPr>
+          <p:cNvPr id="71" name="Grupo 70">
+            <a:extLst>
+              <a:ext uri="{FF2B5EF4-FFF2-40B4-BE49-F238E27FC236}">
+                <a16:creationId xmlns:a16="http://schemas.microsoft.com/office/drawing/2014/main" id="{F3114D75-B890-F2E5-7F2A-B36B64AD5A07}"/>
+              </a:ext>
+            </a:extLst>
+          </p:cNvPr>
+          <p:cNvGrpSpPr/>
+          <p:nvPr/>
+        </p:nvGrpSpPr>
+        <p:grpSpPr>
+          <a:xfrm>
+            <a:off x="393827" y="3841241"/>
+            <a:ext cx="11245998" cy="2985596"/>
+            <a:chOff x="393827" y="3841241"/>
+            <a:chExt cx="11245998" cy="2985596"/>
+          </a:xfrm>
+        </p:grpSpPr>
+        <p:pic>
+          <p:nvPicPr>
+            <p:cNvPr id="55" name="Imagen 54" descr="Icono&#10;&#10;Descripción generada automáticamente">
+              <a:extLst>
+                <a:ext uri="{FF2B5EF4-FFF2-40B4-BE49-F238E27FC236}">
+                  <a16:creationId xmlns:a16="http://schemas.microsoft.com/office/drawing/2014/main" id="{95DF6F90-02E2-DDA9-B302-E6B56FE250C6}"/>
+                </a:ext>
+              </a:extLst>
+            </p:cNvPr>
+            <p:cNvPicPr>
+              <a:picLocks noChangeAspect="1"/>
+            </p:cNvPicPr>
+            <p:nvPr/>
+          </p:nvPicPr>
+          <p:blipFill>
+            <a:blip r:embed="rId5">
+              <a:extLst>
+                <a:ext uri="{BEBA8EAE-BF5A-486C-A8C5-ECC9F3942E4B}">
+                  <a14:imgProps xmlns:a14="http://schemas.microsoft.com/office/drawing/2010/main">
+                    <a14:imgLayer r:embed="rId6">
+                      <a14:imgEffect>
+                        <a14:backgroundRemoval t="10000" b="90000" l="10000" r="90000">
+                          <a14:foregroundMark x1="34375" y1="41699" x2="34375" y2="41699"/>
+                          <a14:foregroundMark x1="33008" y1="31445" x2="33008" y2="31445"/>
+                          <a14:foregroundMark x1="22363" y1="51172" x2="22363" y2="51172"/>
+                        </a14:backgroundRemoval>
+                      </a14:imgEffect>
+                    </a14:imgLayer>
+                  </a14:imgProps>
+                </a:ext>
+              </a:extLst>
+            </a:blip>
+            <a:stretch>
+              <a:fillRect/>
+            </a:stretch>
+          </p:blipFill>
+          <p:spPr>
+            <a:xfrm>
+              <a:off x="393827" y="3893127"/>
+              <a:ext cx="2873433" cy="2873433"/>
+            </a:xfrm>
+            <a:prstGeom prst="rect">
+              <a:avLst/>
+            </a:prstGeom>
+          </p:spPr>
+        </p:pic>
+        <p:pic>
+          <p:nvPicPr>
+            <p:cNvPr id="57" name="Imagen 56" descr="Imagen que contiene Logotipo&#10;&#10;Descripción generada automáticamente">
+              <a:extLst>
+                <a:ext uri="{FF2B5EF4-FFF2-40B4-BE49-F238E27FC236}">
+                  <a16:creationId xmlns:a16="http://schemas.microsoft.com/office/drawing/2014/main" id="{7E7CCED5-9643-EEEC-5034-B3BE350DF226}"/>
+                </a:ext>
+              </a:extLst>
+            </p:cNvPr>
+            <p:cNvPicPr>
+              <a:picLocks noChangeAspect="1"/>
+            </p:cNvPicPr>
+            <p:nvPr/>
+          </p:nvPicPr>
+          <p:blipFill>
+            <a:blip r:embed="rId7">
+              <a:extLst>
+                <a:ext uri="{BEBA8EAE-BF5A-486C-A8C5-ECC9F3942E4B}">
+                  <a14:imgProps xmlns:a14="http://schemas.microsoft.com/office/drawing/2010/main">
+                    <a14:imgLayer r:embed="rId8">
+                      <a14:imgEffect>
+                        <a14:backgroundRemoval t="10000" b="90000" l="10000" r="90000">
+                          <a14:foregroundMark x1="48926" y1="32617" x2="48926" y2="32617"/>
+                          <a14:foregroundMark x1="50293" y1="46973" x2="50293" y2="46973"/>
+                          <a14:foregroundMark x1="50293" y1="56250" x2="50293" y2="56250"/>
+                        </a14:backgroundRemoval>
+                      </a14:imgEffect>
+                    </a14:imgLayer>
+                  </a14:imgProps>
+                </a:ext>
+              </a:extLst>
+            </a:blip>
+            <a:stretch>
+              <a:fillRect/>
+            </a:stretch>
+          </p:blipFill>
+          <p:spPr>
+            <a:xfrm>
+              <a:off x="4461335" y="3856878"/>
+              <a:ext cx="2969959" cy="2969959"/>
+            </a:xfrm>
+            <a:prstGeom prst="rect">
+              <a:avLst/>
+            </a:prstGeom>
+          </p:spPr>
+        </p:pic>
+        <p:pic>
+          <p:nvPicPr>
+            <p:cNvPr id="59" name="Imagen 58" descr="Texto&#10;&#10;Descripción generada automáticamente con confianza media">
+              <a:extLst>
+                <a:ext uri="{FF2B5EF4-FFF2-40B4-BE49-F238E27FC236}">
+                  <a16:creationId xmlns:a16="http://schemas.microsoft.com/office/drawing/2014/main" id="{693FABE0-550B-6379-2413-DB871A6F9CFE}"/>
+                </a:ext>
+              </a:extLst>
+            </p:cNvPr>
+            <p:cNvPicPr>
+              <a:picLocks noChangeAspect="1"/>
+            </p:cNvPicPr>
+            <p:nvPr/>
+          </p:nvPicPr>
+          <p:blipFill>
+            <a:blip r:embed="rId9">
+              <a:extLst>
+                <a:ext uri="{BEBA8EAE-BF5A-486C-A8C5-ECC9F3942E4B}">
+                  <a14:imgProps xmlns:a14="http://schemas.microsoft.com/office/drawing/2010/main">
+                    <a14:imgLayer r:embed="rId10">
+                      <a14:imgEffect>
+                        <a14:backgroundRemoval t="10000" b="90000" l="10000" r="90000">
+                          <a14:foregroundMark x1="62109" y1="55371" x2="62109" y2="55371"/>
+                          <a14:foregroundMark x1="62109" y1="46191" x2="62109" y2="46191"/>
+                          <a14:foregroundMark x1="62793" y1="34180" x2="62793" y2="34180"/>
+                        </a14:backgroundRemoval>
+                      </a14:imgEffect>
+                    </a14:imgLayer>
+                  </a14:imgProps>
+                </a:ext>
+              </a:extLst>
+            </a:blip>
+            <a:stretch>
+              <a:fillRect/>
+            </a:stretch>
+          </p:blipFill>
+          <p:spPr>
+            <a:xfrm>
+              <a:off x="8669866" y="3841241"/>
+              <a:ext cx="2969959" cy="2969959"/>
+            </a:xfrm>
+            <a:prstGeom prst="rect">
+              <a:avLst/>
+            </a:prstGeom>
+          </p:spPr>
+        </p:pic>
+        <p:sp>
+          <p:nvSpPr>
+            <p:cNvPr id="60" name="CuadroTexto 59">
+              <a:extLst>
+                <a:ext uri="{FF2B5EF4-FFF2-40B4-BE49-F238E27FC236}">
+                  <a16:creationId xmlns:a16="http://schemas.microsoft.com/office/drawing/2014/main" id="{C372D7BF-BA7F-C287-4A5F-7584F4A3E05E}"/>
+                </a:ext>
+              </a:extLst>
+            </p:cNvPr>
+            <p:cNvSpPr txBox="1"/>
+            <p:nvPr/>
+          </p:nvSpPr>
+          <p:spPr>
+            <a:xfrm>
+              <a:off x="3218330" y="4873731"/>
+              <a:ext cx="1403046" cy="276999"/>
+            </a:xfrm>
+            <a:prstGeom prst="rect">
+              <a:avLst/>
+            </a:prstGeom>
+            <a:noFill/>
+          </p:spPr>
+          <p:txBody>
+            <a:bodyPr wrap="square" rtlCol="0">
+              <a:spAutoFit/>
+            </a:bodyPr>
+            <a:lstStyle/>
+            <a:p>
+              <a:pPr algn="ctr"/>
+              <a:r>
+                <a:rPr lang="es-ES" sz="1200" dirty="0">
+                  <a:latin typeface="Geist Mono" pitchFamily="2" charset="77"/>
+                  <a:ea typeface="Geist Mono" pitchFamily="2" charset="77"/>
+                  <a:cs typeface="Geist Mono" pitchFamily="2" charset="77"/>
+                </a:rPr>
+                <a:t>requests</a:t>
+              </a:r>
+            </a:p>
+          </p:txBody>
+        </p:sp>
+        <p:sp>
+          <p:nvSpPr>
+            <p:cNvPr id="61" name="CuadroTexto 60">
+              <a:extLst>
+                <a:ext uri="{FF2B5EF4-FFF2-40B4-BE49-F238E27FC236}">
+                  <a16:creationId xmlns:a16="http://schemas.microsoft.com/office/drawing/2014/main" id="{0A66B756-B129-8306-6CD6-059402F15C56}"/>
+                </a:ext>
+              </a:extLst>
+            </p:cNvPr>
+            <p:cNvSpPr txBox="1"/>
+            <p:nvPr/>
+          </p:nvSpPr>
+          <p:spPr>
+            <a:xfrm>
+              <a:off x="3218329" y="5501219"/>
+              <a:ext cx="1479385" cy="276999"/>
+            </a:xfrm>
+            <a:prstGeom prst="rect">
+              <a:avLst/>
+            </a:prstGeom>
+            <a:noFill/>
+          </p:spPr>
+          <p:txBody>
+            <a:bodyPr wrap="square" rtlCol="0">
+              <a:spAutoFit/>
+            </a:bodyPr>
+            <a:lstStyle/>
+            <a:p>
+              <a:pPr algn="ctr"/>
+              <a:r>
+                <a:rPr lang="es-ES" sz="1200" dirty="0">
+                  <a:latin typeface="Geist Mono" pitchFamily="2" charset="77"/>
+                  <a:ea typeface="Geist Mono" pitchFamily="2" charset="77"/>
+                  <a:cs typeface="Geist Mono" pitchFamily="2" charset="77"/>
+                </a:rPr>
+                <a:t>respuesta</a:t>
+              </a:r>
+            </a:p>
+          </p:txBody>
+        </p:sp>
         <p:cxnSp>
           <p:nvCxnSpPr>
-            <p:cNvPr id="21" name="Conector recto de flecha 20">
+            <p:cNvPr id="62" name="Conector recto de flecha 61">
               <a:extLst>
                 <a:ext uri="{FF2B5EF4-FFF2-40B4-BE49-F238E27FC236}">
-                  <a16:creationId xmlns:a16="http://schemas.microsoft.com/office/drawing/2014/main" id="{E9BA87EF-4B28-9506-59AC-D08FA754D45B}"/>
+                  <a16:creationId xmlns:a16="http://schemas.microsoft.com/office/drawing/2014/main" id="{CD552892-AADC-5D2A-4609-56AF15B20121}"/>
                 </a:ext>
               </a:extLst>
             </p:cNvPr>
@@ -3445,7 +4244,7 @@
           </p:nvCxnSpPr>
           <p:spPr>
             <a:xfrm>
-              <a:off x="3487131" y="2010403"/>
+              <a:off x="3268920" y="5150730"/>
               <a:ext cx="1313330" cy="0"/>
             </a:xfrm>
             <a:prstGeom prst="straightConnector1">
@@ -3475,10 +4274,10 @@
         </p:cxnSp>
         <p:cxnSp>
           <p:nvCxnSpPr>
-            <p:cNvPr id="23" name="Conector recto de flecha 22">
+            <p:cNvPr id="63" name="Conector recto de flecha 62">
               <a:extLst>
                 <a:ext uri="{FF2B5EF4-FFF2-40B4-BE49-F238E27FC236}">
-                  <a16:creationId xmlns:a16="http://schemas.microsoft.com/office/drawing/2014/main" id="{8EAB514B-2AD6-D45E-B78D-A3B0EEA6EB3E}"/>
+                  <a16:creationId xmlns:a16="http://schemas.microsoft.com/office/drawing/2014/main" id="{79046B67-49D8-0024-013D-AFF17F0DA258}"/>
                 </a:ext>
               </a:extLst>
             </p:cNvPr>
@@ -3489,7 +4288,7 @@
           </p:nvCxnSpPr>
           <p:spPr>
             <a:xfrm flipH="1">
-              <a:off x="3473754" y="2344270"/>
+              <a:off x="3255543" y="5484597"/>
               <a:ext cx="1313330" cy="0"/>
             </a:xfrm>
             <a:prstGeom prst="straightConnector1">
@@ -3519,10 +4318,10 @@
         </p:cxnSp>
         <p:sp>
           <p:nvSpPr>
-            <p:cNvPr id="35" name="CuadroTexto 34">
+            <p:cNvPr id="64" name="CuadroTexto 63">
               <a:extLst>
                 <a:ext uri="{FF2B5EF4-FFF2-40B4-BE49-F238E27FC236}">
-                  <a16:creationId xmlns:a16="http://schemas.microsoft.com/office/drawing/2014/main" id="{698B2A88-AF33-0DF9-E33B-42EDFF52A0A7}"/>
+                  <a16:creationId xmlns:a16="http://schemas.microsoft.com/office/drawing/2014/main" id="{741740BC-AEA6-BC8B-E626-988753D2AE15}"/>
                 </a:ext>
               </a:extLst>
             </p:cNvPr>
@@ -3531,7 +4330,7 @@
           </p:nvSpPr>
           <p:spPr>
             <a:xfrm>
-              <a:off x="3397415" y="1716598"/>
+              <a:off x="7561873" y="4876751"/>
               <a:ext cx="1403046" cy="276999"/>
             </a:xfrm>
             <a:prstGeom prst="rect">
@@ -3552,17 +4351,17 @@
                   <a:ea typeface="Geist Mono" pitchFamily="2" charset="77"/>
                   <a:cs typeface="Geist Mono" pitchFamily="2" charset="77"/>
                 </a:rPr>
-                <a:t>requests</a:t>
+                <a:t>Recibe query</a:t>
               </a:r>
             </a:p>
           </p:txBody>
         </p:sp>
         <p:sp>
           <p:nvSpPr>
-            <p:cNvPr id="36" name="CuadroTexto 35">
+            <p:cNvPr id="65" name="CuadroTexto 64">
               <a:extLst>
                 <a:ext uri="{FF2B5EF4-FFF2-40B4-BE49-F238E27FC236}">
-                  <a16:creationId xmlns:a16="http://schemas.microsoft.com/office/drawing/2014/main" id="{1FA3E9FA-ECCA-33E9-351E-599851937C67}"/>
+                  <a16:creationId xmlns:a16="http://schemas.microsoft.com/office/drawing/2014/main" id="{55475658-76F7-DD5D-C5CD-EC2BA1827C6A}"/>
                 </a:ext>
               </a:extLst>
             </p:cNvPr>
@@ -3571,7 +4370,7 @@
           </p:nvSpPr>
           <p:spPr>
             <a:xfrm>
-              <a:off x="3397414" y="2344086"/>
+              <a:off x="7561872" y="5504239"/>
               <a:ext cx="1479385" cy="276999"/>
             </a:xfrm>
             <a:prstGeom prst="rect">
@@ -3592,38 +4391,17 @@
                   <a:ea typeface="Geist Mono" pitchFamily="2" charset="77"/>
                   <a:cs typeface="Geist Mono" pitchFamily="2" charset="77"/>
                 </a:rPr>
-                <a:t>respuesta</a:t>
+                <a:t>Entrega datos</a:t>
               </a:r>
             </a:p>
           </p:txBody>
         </p:sp>
-      </p:grpSp>
-      <p:grpSp>
-        <p:nvGrpSpPr>
-          <p:cNvPr id="38" name="Grupo 37">
-            <a:extLst>
-              <a:ext uri="{FF2B5EF4-FFF2-40B4-BE49-F238E27FC236}">
-                <a16:creationId xmlns:a16="http://schemas.microsoft.com/office/drawing/2014/main" id="{A3D2AD8F-0384-9CBF-B914-DC2B76FD6B9C}"/>
-              </a:ext>
-            </a:extLst>
-          </p:cNvPr>
-          <p:cNvGrpSpPr/>
-          <p:nvPr/>
-        </p:nvGrpSpPr>
-        <p:grpSpPr>
-          <a:xfrm>
-            <a:off x="7569402" y="1706663"/>
-            <a:ext cx="1479385" cy="1099088"/>
-            <a:chOff x="3397414" y="1706663"/>
-            <a:chExt cx="1479385" cy="1099088"/>
-          </a:xfrm>
-        </p:grpSpPr>
         <p:cxnSp>
           <p:nvCxnSpPr>
-            <p:cNvPr id="39" name="Conector recto de flecha 38">
+            <p:cNvPr id="66" name="Conector recto de flecha 65">
               <a:extLst>
                 <a:ext uri="{FF2B5EF4-FFF2-40B4-BE49-F238E27FC236}">
-                  <a16:creationId xmlns:a16="http://schemas.microsoft.com/office/drawing/2014/main" id="{458280D6-2787-6901-29C5-C62EA4DE7934}"/>
+                  <a16:creationId xmlns:a16="http://schemas.microsoft.com/office/drawing/2014/main" id="{19D3028D-A7DC-0A2E-C365-4C15ECAF962D}"/>
                 </a:ext>
               </a:extLst>
             </p:cNvPr>
@@ -3632,7 +4410,7 @@
           </p:nvCxnSpPr>
           <p:spPr>
             <a:xfrm>
-              <a:off x="3487131" y="2010403"/>
+              <a:off x="7612463" y="5153750"/>
               <a:ext cx="1313330" cy="0"/>
             </a:xfrm>
             <a:prstGeom prst="straightConnector1">
@@ -3662,10 +4440,10 @@
         </p:cxnSp>
         <p:cxnSp>
           <p:nvCxnSpPr>
-            <p:cNvPr id="40" name="Conector recto de flecha 39">
+            <p:cNvPr id="67" name="Conector recto de flecha 66">
               <a:extLst>
                 <a:ext uri="{FF2B5EF4-FFF2-40B4-BE49-F238E27FC236}">
-                  <a16:creationId xmlns:a16="http://schemas.microsoft.com/office/drawing/2014/main" id="{DAC7E519-8C8A-B341-E46E-DA1750F37E0F}"/>
+                  <a16:creationId xmlns:a16="http://schemas.microsoft.com/office/drawing/2014/main" id="{4C17BB79-E539-97D6-287C-1CD87206307E}"/>
                 </a:ext>
               </a:extLst>
             </p:cNvPr>
@@ -3676,7 +4454,7 @@
           </p:nvCxnSpPr>
           <p:spPr>
             <a:xfrm flipH="1">
-              <a:off x="3473754" y="2344270"/>
+              <a:off x="7599086" y="5487617"/>
               <a:ext cx="1313330" cy="0"/>
             </a:xfrm>
             <a:prstGeom prst="straightConnector1">
@@ -3706,10 +4484,10 @@
         </p:cxnSp>
         <p:sp>
           <p:nvSpPr>
-            <p:cNvPr id="41" name="CuadroTexto 40">
+            <p:cNvPr id="68" name="CuadroTexto 67">
               <a:extLst>
                 <a:ext uri="{FF2B5EF4-FFF2-40B4-BE49-F238E27FC236}">
-                  <a16:creationId xmlns:a16="http://schemas.microsoft.com/office/drawing/2014/main" id="{E364F416-BEB8-CF64-A868-4CCA4CDA98FD}"/>
+                  <a16:creationId xmlns:a16="http://schemas.microsoft.com/office/drawing/2014/main" id="{1C4E610E-1BFC-9798-FE55-925F9BB2BFCB}"/>
                 </a:ext>
               </a:extLst>
             </p:cNvPr>
@@ -3718,8 +4496,8 @@
           </p:nvSpPr>
           <p:spPr>
             <a:xfrm>
-              <a:off x="3397415" y="1706663"/>
-              <a:ext cx="1403046" cy="276999"/>
+              <a:off x="9084217" y="6339896"/>
+              <a:ext cx="2252934" cy="338554"/>
             </a:xfrm>
             <a:prstGeom prst="rect">
               <a:avLst/>
@@ -3734,22 +4512,27 @@
             <a:p>
               <a:pPr algn="ctr"/>
               <a:r>
-                <a:rPr lang="es-ES" sz="1200" dirty="0">
-                  <a:latin typeface="Geist Mono" pitchFamily="2" charset="77"/>
-                  <a:ea typeface="Geist Mono" pitchFamily="2" charset="77"/>
-                  <a:cs typeface="Geist Mono" pitchFamily="2" charset="77"/>
+                <a:rPr lang="es-ES" sz="1600" b="1" dirty="0">
+                  <a:latin typeface="Geist Mono Bold" pitchFamily="2" charset="77"/>
+                  <a:ea typeface="Geist Mono Bold" pitchFamily="2" charset="77"/>
+                  <a:cs typeface="Geist Mono Bold" pitchFamily="2" charset="77"/>
                 </a:rPr>
-                <a:t>Recibe pedido</a:t>
+                <a:t>BBDD</a:t>
               </a:r>
+              <a:endParaRPr lang="es-ES" sz="1200" b="1" dirty="0">
+                <a:latin typeface="Geist Mono Bold" pitchFamily="2" charset="77"/>
+                <a:ea typeface="Geist Mono Bold" pitchFamily="2" charset="77"/>
+                <a:cs typeface="Geist Mono Bold" pitchFamily="2" charset="77"/>
+              </a:endParaRPr>
             </a:p>
           </p:txBody>
         </p:sp>
         <p:sp>
           <p:nvSpPr>
-            <p:cNvPr id="42" name="CuadroTexto 41">
+            <p:cNvPr id="69" name="CuadroTexto 68">
               <a:extLst>
                 <a:ext uri="{FF2B5EF4-FFF2-40B4-BE49-F238E27FC236}">
-                  <a16:creationId xmlns:a16="http://schemas.microsoft.com/office/drawing/2014/main" id="{FA4F9B8E-46C9-0F02-15F0-19549B3AE4EC}"/>
+                  <a16:creationId xmlns:a16="http://schemas.microsoft.com/office/drawing/2014/main" id="{34BEFDEF-B316-FB51-4290-F5F46C50AC96}"/>
                 </a:ext>
               </a:extLst>
             </p:cNvPr>
@@ -3758,8 +4541,8 @@
           </p:nvSpPr>
           <p:spPr>
             <a:xfrm>
-              <a:off x="3397414" y="2344086"/>
-              <a:ext cx="1479385" cy="461665"/>
+              <a:off x="4800461" y="6302299"/>
+              <a:ext cx="2252934" cy="461665"/>
             </a:xfrm>
             <a:prstGeom prst="rect">
               <a:avLst/>
@@ -3774,61 +4557,1522 @@
             <a:p>
               <a:pPr algn="ctr"/>
               <a:r>
-                <a:rPr lang="es-ES" sz="1200" dirty="0">
-                  <a:latin typeface="Geist Mono" pitchFamily="2" charset="77"/>
-                  <a:ea typeface="Geist Mono" pitchFamily="2" charset="77"/>
-                  <a:cs typeface="Geist Mono" pitchFamily="2" charset="77"/>
+                <a:rPr lang="es-ES" sz="2400" b="1" dirty="0">
+                  <a:latin typeface="Geist Mono Bold" pitchFamily="2" charset="77"/>
+                  <a:ea typeface="Geist Mono Bold" pitchFamily="2" charset="77"/>
+                  <a:cs typeface="Geist Mono Bold" pitchFamily="2" charset="77"/>
                 </a:rPr>
-                <a:t>Entrega el pedido</a:t>
+                <a:t>API</a:t>
               </a:r>
+              <a:endParaRPr lang="es-ES" sz="1200" b="1" dirty="0">
+                <a:latin typeface="Geist Mono Bold" pitchFamily="2" charset="77"/>
+                <a:ea typeface="Geist Mono Bold" pitchFamily="2" charset="77"/>
+                <a:cs typeface="Geist Mono Bold" pitchFamily="2" charset="77"/>
+              </a:endParaRPr>
+            </a:p>
+          </p:txBody>
+        </p:sp>
+        <p:sp>
+          <p:nvSpPr>
+            <p:cNvPr id="70" name="CuadroTexto 69">
+              <a:extLst>
+                <a:ext uri="{FF2B5EF4-FFF2-40B4-BE49-F238E27FC236}">
+                  <a16:creationId xmlns:a16="http://schemas.microsoft.com/office/drawing/2014/main" id="{147DC7A5-FAF1-1ABD-384C-040FB0C568CC}"/>
+                </a:ext>
+              </a:extLst>
+            </p:cNvPr>
+            <p:cNvSpPr txBox="1"/>
+            <p:nvPr/>
+          </p:nvSpPr>
+          <p:spPr>
+            <a:xfrm>
+              <a:off x="658108" y="6408822"/>
+              <a:ext cx="2252934" cy="338554"/>
+            </a:xfrm>
+            <a:prstGeom prst="rect">
+              <a:avLst/>
+            </a:prstGeom>
+            <a:noFill/>
+          </p:spPr>
+          <p:txBody>
+            <a:bodyPr wrap="square" rtlCol="0">
+              <a:spAutoFit/>
+            </a:bodyPr>
+            <a:lstStyle/>
+            <a:p>
+              <a:pPr algn="ctr"/>
+              <a:r>
+                <a:rPr lang="es-ES" sz="1600" b="1" dirty="0">
+                  <a:latin typeface="Geist Mono Bold" pitchFamily="2" charset="77"/>
+                  <a:ea typeface="Geist Mono Bold" pitchFamily="2" charset="77"/>
+                  <a:cs typeface="Geist Mono Bold" pitchFamily="2" charset="77"/>
+                </a:rPr>
+                <a:t>Usuarios</a:t>
+              </a:r>
+              <a:endParaRPr lang="es-ES" sz="1200" b="1" dirty="0">
+                <a:latin typeface="Geist Mono Bold" pitchFamily="2" charset="77"/>
+                <a:ea typeface="Geist Mono Bold" pitchFamily="2" charset="77"/>
+                <a:cs typeface="Geist Mono Bold" pitchFamily="2" charset="77"/>
+              </a:endParaRPr>
             </a:p>
           </p:txBody>
         </p:sp>
       </p:grpSp>
-      <p:sp>
-        <p:nvSpPr>
-          <p:cNvPr id="43" name="CuadroTexto 42">
-            <a:extLst>
-              <a:ext uri="{FF2B5EF4-FFF2-40B4-BE49-F238E27FC236}">
-                <a16:creationId xmlns:a16="http://schemas.microsoft.com/office/drawing/2014/main" id="{4819426A-FB29-533D-2CCD-42B6339CC95E}"/>
-              </a:ext>
-            </a:extLst>
-          </p:cNvPr>
-          <p:cNvSpPr txBox="1"/>
-          <p:nvPr/>
-        </p:nvSpPr>
-        <p:spPr>
-          <a:xfrm>
-            <a:off x="9206884" y="163306"/>
-            <a:ext cx="2252934" cy="276999"/>
-          </a:xfrm>
-          <a:prstGeom prst="rect">
-            <a:avLst/>
-          </a:prstGeom>
-          <a:noFill/>
-        </p:spPr>
-        <p:txBody>
-          <a:bodyPr wrap="square" rtlCol="0">
-            <a:spAutoFit/>
-          </a:bodyPr>
-          <a:lstStyle/>
-          <a:p>
-            <a:pPr algn="ctr"/>
-            <a:r>
-              <a:rPr lang="es-ES" sz="1200" dirty="0">
-                <a:latin typeface="Geist Mono" pitchFamily="2" charset="77"/>
-                <a:ea typeface="Geist Mono" pitchFamily="2" charset="77"/>
-                <a:cs typeface="Geist Mono" pitchFamily="2" charset="77"/>
-              </a:rPr>
-              <a:t>Chef</a:t>
-            </a:r>
-          </a:p>
-        </p:txBody>
-      </p:sp>
     </p:spTree>
     <p:extLst>
       <p:ext uri="{BB962C8B-B14F-4D97-AF65-F5344CB8AC3E}">
         <p14:creationId xmlns:p14="http://schemas.microsoft.com/office/powerpoint/2010/main" val="1929016519"/>
+      </p:ext>
+    </p:extLst>
+  </p:cSld>
+  <p:clrMapOvr>
+    <a:masterClrMapping/>
+  </p:clrMapOvr>
+</p:sld>
+</file>
+
+<file path=ppt/slides/slide2.xml><?xml version="1.0" encoding="utf-8"?>
+<p:sld xmlns:a="http://schemas.openxmlformats.org/drawingml/2006/main" xmlns:r="http://schemas.openxmlformats.org/officeDocument/2006/relationships" xmlns:p="http://schemas.openxmlformats.org/presentationml/2006/main">
+  <p:cSld>
+    <p:spTree>
+      <p:nvGrpSpPr>
+        <p:cNvPr id="1" name=""/>
+        <p:cNvGrpSpPr/>
+        <p:nvPr/>
+      </p:nvGrpSpPr>
+      <p:grpSpPr>
+        <a:xfrm>
+          <a:off x="0" y="0"/>
+          <a:ext cx="0" cy="0"/>
+          <a:chOff x="0" y="0"/>
+          <a:chExt cx="0" cy="0"/>
+        </a:xfrm>
+      </p:grpSpPr>
+      <p:grpSp>
+        <p:nvGrpSpPr>
+          <p:cNvPr id="5" name="Grupo 4">
+            <a:extLst>
+              <a:ext uri="{FF2B5EF4-FFF2-40B4-BE49-F238E27FC236}">
+                <a16:creationId xmlns:a16="http://schemas.microsoft.com/office/drawing/2014/main" id="{2617F463-0C69-65FF-5DEC-5DB3748124DA}"/>
+              </a:ext>
+            </a:extLst>
+          </p:cNvPr>
+          <p:cNvGrpSpPr/>
+          <p:nvPr/>
+        </p:nvGrpSpPr>
+        <p:grpSpPr>
+          <a:xfrm>
+            <a:off x="0" y="0"/>
+            <a:ext cx="11988800" cy="6858000"/>
+            <a:chOff x="0" y="0"/>
+            <a:chExt cx="11988800" cy="6858000"/>
+          </a:xfrm>
+        </p:grpSpPr>
+        <p:sp>
+          <p:nvSpPr>
+            <p:cNvPr id="4" name="Rectángulo 3">
+              <a:extLst>
+                <a:ext uri="{FF2B5EF4-FFF2-40B4-BE49-F238E27FC236}">
+                  <a16:creationId xmlns:a16="http://schemas.microsoft.com/office/drawing/2014/main" id="{440279B4-522E-059C-958B-2D5F79E28A5F}"/>
+                </a:ext>
+              </a:extLst>
+            </p:cNvPr>
+            <p:cNvSpPr/>
+            <p:nvPr/>
+          </p:nvSpPr>
+          <p:spPr>
+            <a:xfrm>
+              <a:off x="0" y="0"/>
+              <a:ext cx="11988800" cy="6858000"/>
+            </a:xfrm>
+            <a:prstGeom prst="rect">
+              <a:avLst/>
+            </a:prstGeom>
+            <a:solidFill>
+              <a:schemeClr val="bg1"/>
+            </a:solidFill>
+            <a:ln>
+              <a:noFill/>
+            </a:ln>
+          </p:spPr>
+          <p:style>
+            <a:lnRef idx="2">
+              <a:schemeClr val="accent1">
+                <a:shade val="15000"/>
+              </a:schemeClr>
+            </a:lnRef>
+            <a:fillRef idx="1">
+              <a:schemeClr val="accent1"/>
+            </a:fillRef>
+            <a:effectRef idx="0">
+              <a:schemeClr val="accent1"/>
+            </a:effectRef>
+            <a:fontRef idx="minor">
+              <a:schemeClr val="lt1"/>
+            </a:fontRef>
+          </p:style>
+          <p:txBody>
+            <a:bodyPr rtlCol="0" anchor="ctr"/>
+            <a:lstStyle/>
+            <a:p>
+              <a:pPr algn="ctr"/>
+              <a:endParaRPr lang="es-ES"/>
+            </a:p>
+          </p:txBody>
+        </p:sp>
+        <p:grpSp>
+          <p:nvGrpSpPr>
+            <p:cNvPr id="2" name="Grupo 1">
+              <a:extLst>
+                <a:ext uri="{FF2B5EF4-FFF2-40B4-BE49-F238E27FC236}">
+                  <a16:creationId xmlns:a16="http://schemas.microsoft.com/office/drawing/2014/main" id="{BD52D087-698E-2DB0-F3BD-893236A2507E}"/>
+                </a:ext>
+              </a:extLst>
+            </p:cNvPr>
+            <p:cNvGrpSpPr/>
+            <p:nvPr/>
+          </p:nvGrpSpPr>
+          <p:grpSpPr>
+            <a:xfrm>
+              <a:off x="50800" y="310921"/>
+              <a:ext cx="11931051" cy="6544534"/>
+              <a:chOff x="0" y="310921"/>
+              <a:chExt cx="11931051" cy="6544534"/>
+            </a:xfrm>
+          </p:grpSpPr>
+          <p:grpSp>
+            <p:nvGrpSpPr>
+              <p:cNvPr id="47" name="Grupo 46">
+                <a:extLst>
+                  <a:ext uri="{FF2B5EF4-FFF2-40B4-BE49-F238E27FC236}">
+                    <a16:creationId xmlns:a16="http://schemas.microsoft.com/office/drawing/2014/main" id="{C540DCDE-3AFA-F8DE-E4B9-E8994C7005AD}"/>
+                  </a:ext>
+                </a:extLst>
+              </p:cNvPr>
+              <p:cNvGrpSpPr/>
+              <p:nvPr/>
+            </p:nvGrpSpPr>
+            <p:grpSpPr>
+              <a:xfrm>
+                <a:off x="0" y="3332259"/>
+                <a:ext cx="11931051" cy="3523196"/>
+                <a:chOff x="138954" y="1"/>
+                <a:chExt cx="11931051" cy="3523196"/>
+              </a:xfrm>
+            </p:grpSpPr>
+            <p:pic>
+              <p:nvPicPr>
+                <p:cNvPr id="15" name="Imagen 14" descr="Icono&#10;&#10;Descripción generada automáticamente">
+                  <a:extLst>
+                    <a:ext uri="{FF2B5EF4-FFF2-40B4-BE49-F238E27FC236}">
+                      <a16:creationId xmlns:a16="http://schemas.microsoft.com/office/drawing/2014/main" id="{EE5B6C21-70D9-4453-82CA-15BF3DA10A56}"/>
+                    </a:ext>
+                  </a:extLst>
+                </p:cNvPr>
+                <p:cNvPicPr>
+                  <a:picLocks noChangeAspect="1"/>
+                </p:cNvPicPr>
+                <p:nvPr/>
+              </p:nvPicPr>
+              <p:blipFill rotWithShape="1">
+                <a:blip r:embed="rId2"/>
+                <a:srcRect b="11851"/>
+                <a:stretch/>
+              </p:blipFill>
+              <p:spPr>
+                <a:xfrm>
+                  <a:off x="4302989" y="1"/>
+                  <a:ext cx="3819236" cy="3431758"/>
+                </a:xfrm>
+                <a:prstGeom prst="rect">
+                  <a:avLst/>
+                </a:prstGeom>
+              </p:spPr>
+            </p:pic>
+            <p:pic>
+              <p:nvPicPr>
+                <p:cNvPr id="17" name="Imagen 16" descr="Icono&#10;&#10;Descripción generada automáticamente">
+                  <a:extLst>
+                    <a:ext uri="{FF2B5EF4-FFF2-40B4-BE49-F238E27FC236}">
+                      <a16:creationId xmlns:a16="http://schemas.microsoft.com/office/drawing/2014/main" id="{202588D3-BF7B-2CB3-6910-8E6E8F3F0650}"/>
+                    </a:ext>
+                  </a:extLst>
+                </p:cNvPr>
+                <p:cNvPicPr>
+                  <a:picLocks noChangeAspect="1"/>
+                </p:cNvPicPr>
+                <p:nvPr/>
+              </p:nvPicPr>
+              <p:blipFill>
+                <a:blip r:embed="rId3"/>
+                <a:stretch>
+                  <a:fillRect/>
+                </a:stretch>
+              </p:blipFill>
+              <p:spPr>
+                <a:xfrm>
+                  <a:off x="8606098" y="214609"/>
+                  <a:ext cx="3463907" cy="3308588"/>
+                </a:xfrm>
+                <a:prstGeom prst="rect">
+                  <a:avLst/>
+                </a:prstGeom>
+              </p:spPr>
+            </p:pic>
+            <p:pic>
+              <p:nvPicPr>
+                <p:cNvPr id="19" name="Imagen 18" descr="Icono&#10;&#10;Descripción generada automáticamente">
+                  <a:extLst>
+                    <a:ext uri="{FF2B5EF4-FFF2-40B4-BE49-F238E27FC236}">
+                      <a16:creationId xmlns:a16="http://schemas.microsoft.com/office/drawing/2014/main" id="{FA8CE312-211C-7809-6923-E01D3C18001A}"/>
+                    </a:ext>
+                  </a:extLst>
+                </p:cNvPr>
+                <p:cNvPicPr>
+                  <a:picLocks noChangeAspect="1"/>
+                </p:cNvPicPr>
+                <p:nvPr/>
+              </p:nvPicPr>
+              <p:blipFill>
+                <a:blip r:embed="rId4"/>
+                <a:stretch>
+                  <a:fillRect/>
+                </a:stretch>
+              </p:blipFill>
+              <p:spPr>
+                <a:xfrm>
+                  <a:off x="138954" y="443821"/>
+                  <a:ext cx="3079376" cy="3079376"/>
+                </a:xfrm>
+                <a:prstGeom prst="rect">
+                  <a:avLst/>
+                </a:prstGeom>
+              </p:spPr>
+            </p:pic>
+            <p:grpSp>
+              <p:nvGrpSpPr>
+                <p:cNvPr id="37" name="Grupo 36">
+                  <a:extLst>
+                    <a:ext uri="{FF2B5EF4-FFF2-40B4-BE49-F238E27FC236}">
+                      <a16:creationId xmlns:a16="http://schemas.microsoft.com/office/drawing/2014/main" id="{B3C295C1-2CE1-1CA0-01A1-FD7C1E7BF259}"/>
+                    </a:ext>
+                  </a:extLst>
+                </p:cNvPr>
+                <p:cNvGrpSpPr/>
+                <p:nvPr/>
+              </p:nvGrpSpPr>
+              <p:grpSpPr>
+                <a:xfrm>
+                  <a:off x="3397414" y="1716598"/>
+                  <a:ext cx="1479385" cy="904487"/>
+                  <a:chOff x="3397414" y="1716598"/>
+                  <a:chExt cx="1479385" cy="904487"/>
+                </a:xfrm>
+              </p:grpSpPr>
+              <p:cxnSp>
+                <p:nvCxnSpPr>
+                  <p:cNvPr id="21" name="Conector recto de flecha 20">
+                    <a:extLst>
+                      <a:ext uri="{FF2B5EF4-FFF2-40B4-BE49-F238E27FC236}">
+                        <a16:creationId xmlns:a16="http://schemas.microsoft.com/office/drawing/2014/main" id="{E9BA87EF-4B28-9506-59AC-D08FA754D45B}"/>
+                      </a:ext>
+                    </a:extLst>
+                  </p:cNvPr>
+                  <p:cNvCxnSpPr/>
+                  <p:nvPr/>
+                </p:nvCxnSpPr>
+                <p:spPr>
+                  <a:xfrm>
+                    <a:off x="3487131" y="2010403"/>
+                    <a:ext cx="1313330" cy="0"/>
+                  </a:xfrm>
+                  <a:prstGeom prst="straightConnector1">
+                    <a:avLst/>
+                  </a:prstGeom>
+                  <a:ln w="38100">
+                    <a:solidFill>
+                      <a:srgbClr val="FFC000"/>
+                    </a:solidFill>
+                    <a:tailEnd type="triangle"/>
+                  </a:ln>
+                </p:spPr>
+                <p:style>
+                  <a:lnRef idx="2">
+                    <a:schemeClr val="accent1"/>
+                  </a:lnRef>
+                  <a:fillRef idx="0">
+                    <a:schemeClr val="accent1"/>
+                  </a:fillRef>
+                  <a:effectRef idx="1">
+                    <a:schemeClr val="accent1"/>
+                  </a:effectRef>
+                  <a:fontRef idx="minor">
+                    <a:schemeClr val="tx1"/>
+                  </a:fontRef>
+                </p:style>
+              </p:cxnSp>
+              <p:cxnSp>
+                <p:nvCxnSpPr>
+                  <p:cNvPr id="23" name="Conector recto de flecha 22">
+                    <a:extLst>
+                      <a:ext uri="{FF2B5EF4-FFF2-40B4-BE49-F238E27FC236}">
+                        <a16:creationId xmlns:a16="http://schemas.microsoft.com/office/drawing/2014/main" id="{8EAB514B-2AD6-D45E-B78D-A3B0EEA6EB3E}"/>
+                      </a:ext>
+                    </a:extLst>
+                  </p:cNvPr>
+                  <p:cNvCxnSpPr>
+                    <a:cxnSpLocks/>
+                  </p:cNvCxnSpPr>
+                  <p:nvPr/>
+                </p:nvCxnSpPr>
+                <p:spPr>
+                  <a:xfrm flipH="1">
+                    <a:off x="3473754" y="2344270"/>
+                    <a:ext cx="1313330" cy="0"/>
+                  </a:xfrm>
+                  <a:prstGeom prst="straightConnector1">
+                    <a:avLst/>
+                  </a:prstGeom>
+                  <a:ln w="38100">
+                    <a:solidFill>
+                      <a:srgbClr val="FFC000"/>
+                    </a:solidFill>
+                    <a:tailEnd type="triangle"/>
+                  </a:ln>
+                </p:spPr>
+                <p:style>
+                  <a:lnRef idx="2">
+                    <a:schemeClr val="accent1"/>
+                  </a:lnRef>
+                  <a:fillRef idx="0">
+                    <a:schemeClr val="accent1"/>
+                  </a:fillRef>
+                  <a:effectRef idx="1">
+                    <a:schemeClr val="accent1"/>
+                  </a:effectRef>
+                  <a:fontRef idx="minor">
+                    <a:schemeClr val="tx1"/>
+                  </a:fontRef>
+                </p:style>
+              </p:cxnSp>
+              <p:sp>
+                <p:nvSpPr>
+                  <p:cNvPr id="35" name="CuadroTexto 34">
+                    <a:extLst>
+                      <a:ext uri="{FF2B5EF4-FFF2-40B4-BE49-F238E27FC236}">
+                        <a16:creationId xmlns:a16="http://schemas.microsoft.com/office/drawing/2014/main" id="{698B2A88-AF33-0DF9-E33B-42EDFF52A0A7}"/>
+                      </a:ext>
+                    </a:extLst>
+                  </p:cNvPr>
+                  <p:cNvSpPr txBox="1"/>
+                  <p:nvPr/>
+                </p:nvSpPr>
+                <p:spPr>
+                  <a:xfrm>
+                    <a:off x="3397415" y="1716598"/>
+                    <a:ext cx="1403046" cy="276999"/>
+                  </a:xfrm>
+                  <a:prstGeom prst="rect">
+                    <a:avLst/>
+                  </a:prstGeom>
+                  <a:noFill/>
+                </p:spPr>
+                <p:txBody>
+                  <a:bodyPr wrap="square" rtlCol="0">
+                    <a:spAutoFit/>
+                  </a:bodyPr>
+                  <a:lstStyle/>
+                  <a:p>
+                    <a:pPr algn="ctr"/>
+                    <a:r>
+                      <a:rPr lang="es-ES" sz="1200" dirty="0">
+                        <a:latin typeface="Geist Mono" pitchFamily="2" charset="77"/>
+                        <a:ea typeface="Geist Mono" pitchFamily="2" charset="77"/>
+                        <a:cs typeface="Geist Mono" pitchFamily="2" charset="77"/>
+                      </a:rPr>
+                      <a:t>requests</a:t>
+                    </a:r>
+                  </a:p>
+                </p:txBody>
+              </p:sp>
+              <p:sp>
+                <p:nvSpPr>
+                  <p:cNvPr id="36" name="CuadroTexto 35">
+                    <a:extLst>
+                      <a:ext uri="{FF2B5EF4-FFF2-40B4-BE49-F238E27FC236}">
+                        <a16:creationId xmlns:a16="http://schemas.microsoft.com/office/drawing/2014/main" id="{1FA3E9FA-ECCA-33E9-351E-599851937C67}"/>
+                      </a:ext>
+                    </a:extLst>
+                  </p:cNvPr>
+                  <p:cNvSpPr txBox="1"/>
+                  <p:nvPr/>
+                </p:nvSpPr>
+                <p:spPr>
+                  <a:xfrm>
+                    <a:off x="3397414" y="2344086"/>
+                    <a:ext cx="1479385" cy="276999"/>
+                  </a:xfrm>
+                  <a:prstGeom prst="rect">
+                    <a:avLst/>
+                  </a:prstGeom>
+                  <a:noFill/>
+                </p:spPr>
+                <p:txBody>
+                  <a:bodyPr wrap="square" rtlCol="0">
+                    <a:spAutoFit/>
+                  </a:bodyPr>
+                  <a:lstStyle/>
+                  <a:p>
+                    <a:pPr algn="ctr"/>
+                    <a:r>
+                      <a:rPr lang="es-ES" sz="1200" dirty="0">
+                        <a:latin typeface="Geist Mono" pitchFamily="2" charset="77"/>
+                        <a:ea typeface="Geist Mono" pitchFamily="2" charset="77"/>
+                        <a:cs typeface="Geist Mono" pitchFamily="2" charset="77"/>
+                      </a:rPr>
+                      <a:t>respuesta</a:t>
+                    </a:r>
+                  </a:p>
+                </p:txBody>
+              </p:sp>
+            </p:grpSp>
+            <p:grpSp>
+              <p:nvGrpSpPr>
+                <p:cNvPr id="38" name="Grupo 37">
+                  <a:extLst>
+                    <a:ext uri="{FF2B5EF4-FFF2-40B4-BE49-F238E27FC236}">
+                      <a16:creationId xmlns:a16="http://schemas.microsoft.com/office/drawing/2014/main" id="{A3D2AD8F-0384-9CBF-B914-DC2B76FD6B9C}"/>
+                    </a:ext>
+                  </a:extLst>
+                </p:cNvPr>
+                <p:cNvGrpSpPr/>
+                <p:nvPr/>
+              </p:nvGrpSpPr>
+              <p:grpSpPr>
+                <a:xfrm>
+                  <a:off x="7569402" y="1706663"/>
+                  <a:ext cx="1479385" cy="914422"/>
+                  <a:chOff x="3397414" y="1706663"/>
+                  <a:chExt cx="1479385" cy="914422"/>
+                </a:xfrm>
+              </p:grpSpPr>
+              <p:cxnSp>
+                <p:nvCxnSpPr>
+                  <p:cNvPr id="39" name="Conector recto de flecha 38">
+                    <a:extLst>
+                      <a:ext uri="{FF2B5EF4-FFF2-40B4-BE49-F238E27FC236}">
+                        <a16:creationId xmlns:a16="http://schemas.microsoft.com/office/drawing/2014/main" id="{458280D6-2787-6901-29C5-C62EA4DE7934}"/>
+                      </a:ext>
+                    </a:extLst>
+                  </p:cNvPr>
+                  <p:cNvCxnSpPr/>
+                  <p:nvPr/>
+                </p:nvCxnSpPr>
+                <p:spPr>
+                  <a:xfrm>
+                    <a:off x="3487131" y="2010403"/>
+                    <a:ext cx="1313330" cy="0"/>
+                  </a:xfrm>
+                  <a:prstGeom prst="straightConnector1">
+                    <a:avLst/>
+                  </a:prstGeom>
+                  <a:ln w="38100">
+                    <a:solidFill>
+                      <a:srgbClr val="FFC000"/>
+                    </a:solidFill>
+                    <a:tailEnd type="triangle"/>
+                  </a:ln>
+                </p:spPr>
+                <p:style>
+                  <a:lnRef idx="2">
+                    <a:schemeClr val="accent1"/>
+                  </a:lnRef>
+                  <a:fillRef idx="0">
+                    <a:schemeClr val="accent1"/>
+                  </a:fillRef>
+                  <a:effectRef idx="1">
+                    <a:schemeClr val="accent1"/>
+                  </a:effectRef>
+                  <a:fontRef idx="minor">
+                    <a:schemeClr val="tx1"/>
+                  </a:fontRef>
+                </p:style>
+              </p:cxnSp>
+              <p:cxnSp>
+                <p:nvCxnSpPr>
+                  <p:cNvPr id="40" name="Conector recto de flecha 39">
+                    <a:extLst>
+                      <a:ext uri="{FF2B5EF4-FFF2-40B4-BE49-F238E27FC236}">
+                        <a16:creationId xmlns:a16="http://schemas.microsoft.com/office/drawing/2014/main" id="{DAC7E519-8C8A-B341-E46E-DA1750F37E0F}"/>
+                      </a:ext>
+                    </a:extLst>
+                  </p:cNvPr>
+                  <p:cNvCxnSpPr>
+                    <a:cxnSpLocks/>
+                  </p:cNvCxnSpPr>
+                  <p:nvPr/>
+                </p:nvCxnSpPr>
+                <p:spPr>
+                  <a:xfrm flipH="1">
+                    <a:off x="3473754" y="2344270"/>
+                    <a:ext cx="1313330" cy="0"/>
+                  </a:xfrm>
+                  <a:prstGeom prst="straightConnector1">
+                    <a:avLst/>
+                  </a:prstGeom>
+                  <a:ln w="38100">
+                    <a:solidFill>
+                      <a:srgbClr val="FFC000"/>
+                    </a:solidFill>
+                    <a:tailEnd type="triangle"/>
+                  </a:ln>
+                </p:spPr>
+                <p:style>
+                  <a:lnRef idx="2">
+                    <a:schemeClr val="accent1"/>
+                  </a:lnRef>
+                  <a:fillRef idx="0">
+                    <a:schemeClr val="accent1"/>
+                  </a:fillRef>
+                  <a:effectRef idx="1">
+                    <a:schemeClr val="accent1"/>
+                  </a:effectRef>
+                  <a:fontRef idx="minor">
+                    <a:schemeClr val="tx1"/>
+                  </a:fontRef>
+                </p:style>
+              </p:cxnSp>
+              <p:sp>
+                <p:nvSpPr>
+                  <p:cNvPr id="41" name="CuadroTexto 40">
+                    <a:extLst>
+                      <a:ext uri="{FF2B5EF4-FFF2-40B4-BE49-F238E27FC236}">
+                        <a16:creationId xmlns:a16="http://schemas.microsoft.com/office/drawing/2014/main" id="{E364F416-BEB8-CF64-A868-4CCA4CDA98FD}"/>
+                      </a:ext>
+                    </a:extLst>
+                  </p:cNvPr>
+                  <p:cNvSpPr txBox="1"/>
+                  <p:nvPr/>
+                </p:nvSpPr>
+                <p:spPr>
+                  <a:xfrm>
+                    <a:off x="3397415" y="1706663"/>
+                    <a:ext cx="1403046" cy="276999"/>
+                  </a:xfrm>
+                  <a:prstGeom prst="rect">
+                    <a:avLst/>
+                  </a:prstGeom>
+                  <a:noFill/>
+                </p:spPr>
+                <p:txBody>
+                  <a:bodyPr wrap="square" rtlCol="0">
+                    <a:spAutoFit/>
+                  </a:bodyPr>
+                  <a:lstStyle/>
+                  <a:p>
+                    <a:pPr algn="ctr"/>
+                    <a:r>
+                      <a:rPr lang="es-ES" sz="1200" dirty="0">
+                        <a:latin typeface="Geist Mono" pitchFamily="2" charset="77"/>
+                        <a:ea typeface="Geist Mono" pitchFamily="2" charset="77"/>
+                        <a:cs typeface="Geist Mono" pitchFamily="2" charset="77"/>
+                      </a:rPr>
+                      <a:t>Recibe pedido</a:t>
+                    </a:r>
+                  </a:p>
+                </p:txBody>
+              </p:sp>
+              <p:sp>
+                <p:nvSpPr>
+                  <p:cNvPr id="42" name="CuadroTexto 41">
+                    <a:extLst>
+                      <a:ext uri="{FF2B5EF4-FFF2-40B4-BE49-F238E27FC236}">
+                        <a16:creationId xmlns:a16="http://schemas.microsoft.com/office/drawing/2014/main" id="{FA4F9B8E-46C9-0F02-15F0-19549B3AE4EC}"/>
+                      </a:ext>
+                    </a:extLst>
+                  </p:cNvPr>
+                  <p:cNvSpPr txBox="1"/>
+                  <p:nvPr/>
+                </p:nvSpPr>
+                <p:spPr>
+                  <a:xfrm>
+                    <a:off x="3397414" y="2344086"/>
+                    <a:ext cx="1479385" cy="276999"/>
+                  </a:xfrm>
+                  <a:prstGeom prst="rect">
+                    <a:avLst/>
+                  </a:prstGeom>
+                  <a:noFill/>
+                </p:spPr>
+                <p:txBody>
+                  <a:bodyPr wrap="square" rtlCol="0">
+                    <a:spAutoFit/>
+                  </a:bodyPr>
+                  <a:lstStyle/>
+                  <a:p>
+                    <a:pPr algn="ctr"/>
+                    <a:r>
+                      <a:rPr lang="es-ES" sz="1200" dirty="0">
+                        <a:latin typeface="Geist Mono" pitchFamily="2" charset="77"/>
+                        <a:ea typeface="Geist Mono" pitchFamily="2" charset="77"/>
+                        <a:cs typeface="Geist Mono" pitchFamily="2" charset="77"/>
+                      </a:rPr>
+                      <a:t>Entrega pedido</a:t>
+                    </a:r>
+                  </a:p>
+                </p:txBody>
+              </p:sp>
+            </p:grpSp>
+            <p:sp>
+              <p:nvSpPr>
+                <p:cNvPr id="43" name="CuadroTexto 42">
+                  <a:extLst>
+                    <a:ext uri="{FF2B5EF4-FFF2-40B4-BE49-F238E27FC236}">
+                      <a16:creationId xmlns:a16="http://schemas.microsoft.com/office/drawing/2014/main" id="{4819426A-FB29-533D-2CCD-42B6339CC95E}"/>
+                    </a:ext>
+                  </a:extLst>
+                </p:cNvPr>
+                <p:cNvSpPr txBox="1"/>
+                <p:nvPr/>
+              </p:nvSpPr>
+              <p:spPr>
+                <a:xfrm>
+                  <a:off x="9206884" y="163306"/>
+                  <a:ext cx="2252934" cy="338554"/>
+                </a:xfrm>
+                <a:prstGeom prst="rect">
+                  <a:avLst/>
+                </a:prstGeom>
+                <a:noFill/>
+              </p:spPr>
+              <p:txBody>
+                <a:bodyPr wrap="square" rtlCol="0">
+                  <a:spAutoFit/>
+                </a:bodyPr>
+                <a:lstStyle/>
+                <a:p>
+                  <a:pPr algn="ctr"/>
+                  <a:r>
+                    <a:rPr lang="es-ES" sz="1600" b="1" dirty="0">
+                      <a:latin typeface="Geist Mono Bold" pitchFamily="2" charset="77"/>
+                      <a:ea typeface="Geist Mono Bold" pitchFamily="2" charset="77"/>
+                      <a:cs typeface="Geist Mono Bold" pitchFamily="2" charset="77"/>
+                    </a:rPr>
+                    <a:t>Chef</a:t>
+                  </a:r>
+                  <a:endParaRPr lang="es-ES" sz="1200" b="1" dirty="0">
+                    <a:latin typeface="Geist Mono Bold" pitchFamily="2" charset="77"/>
+                    <a:ea typeface="Geist Mono Bold" pitchFamily="2" charset="77"/>
+                    <a:cs typeface="Geist Mono Bold" pitchFamily="2" charset="77"/>
+                  </a:endParaRPr>
+                </a:p>
+              </p:txBody>
+            </p:sp>
+            <p:sp>
+              <p:nvSpPr>
+                <p:cNvPr id="44" name="CuadroTexto 43">
+                  <a:extLst>
+                    <a:ext uri="{FF2B5EF4-FFF2-40B4-BE49-F238E27FC236}">
+                      <a16:creationId xmlns:a16="http://schemas.microsoft.com/office/drawing/2014/main" id="{34FDD79D-0FF0-C165-9CFC-97546716940A}"/>
+                    </a:ext>
+                  </a:extLst>
+                </p:cNvPr>
+                <p:cNvSpPr txBox="1"/>
+                <p:nvPr/>
+              </p:nvSpPr>
+              <p:spPr>
+                <a:xfrm>
+                  <a:off x="4694528" y="214609"/>
+                  <a:ext cx="2252934" cy="338554"/>
+                </a:xfrm>
+                <a:prstGeom prst="rect">
+                  <a:avLst/>
+                </a:prstGeom>
+                <a:noFill/>
+              </p:spPr>
+              <p:txBody>
+                <a:bodyPr wrap="square" rtlCol="0">
+                  <a:spAutoFit/>
+                </a:bodyPr>
+                <a:lstStyle/>
+                <a:p>
+                  <a:pPr algn="ctr"/>
+                  <a:r>
+                    <a:rPr lang="es-ES" sz="1600" b="1" dirty="0">
+                      <a:latin typeface="Geist Mono Bold" pitchFamily="2" charset="77"/>
+                      <a:ea typeface="Geist Mono Bold" pitchFamily="2" charset="77"/>
+                      <a:cs typeface="Geist Mono Bold" pitchFamily="2" charset="77"/>
+                    </a:rPr>
+                    <a:t>Camarero</a:t>
+                  </a:r>
+                  <a:endParaRPr lang="es-ES" sz="1200" b="1" dirty="0">
+                    <a:latin typeface="Geist Mono Bold" pitchFamily="2" charset="77"/>
+                    <a:ea typeface="Geist Mono Bold" pitchFamily="2" charset="77"/>
+                    <a:cs typeface="Geist Mono Bold" pitchFamily="2" charset="77"/>
+                  </a:endParaRPr>
+                </a:p>
+              </p:txBody>
+            </p:sp>
+            <p:sp>
+              <p:nvSpPr>
+                <p:cNvPr id="45" name="CuadroTexto 44">
+                  <a:extLst>
+                    <a:ext uri="{FF2B5EF4-FFF2-40B4-BE49-F238E27FC236}">
+                      <a16:creationId xmlns:a16="http://schemas.microsoft.com/office/drawing/2014/main" id="{23BDEDD4-663E-22D6-FDCC-44B4EF8C11D0}"/>
+                    </a:ext>
+                  </a:extLst>
+                </p:cNvPr>
+                <p:cNvSpPr txBox="1"/>
+                <p:nvPr/>
+              </p:nvSpPr>
+              <p:spPr>
+                <a:xfrm>
+                  <a:off x="552175" y="232232"/>
+                  <a:ext cx="2252934" cy="338554"/>
+                </a:xfrm>
+                <a:prstGeom prst="rect">
+                  <a:avLst/>
+                </a:prstGeom>
+                <a:noFill/>
+              </p:spPr>
+              <p:txBody>
+                <a:bodyPr wrap="square" rtlCol="0">
+                  <a:spAutoFit/>
+                </a:bodyPr>
+                <a:lstStyle/>
+                <a:p>
+                  <a:pPr algn="ctr"/>
+                  <a:r>
+                    <a:rPr lang="es-ES" sz="1600" b="1" dirty="0">
+                      <a:latin typeface="Geist Mono Bold" pitchFamily="2" charset="77"/>
+                      <a:ea typeface="Geist Mono Bold" pitchFamily="2" charset="77"/>
+                      <a:cs typeface="Geist Mono Bold" pitchFamily="2" charset="77"/>
+                    </a:rPr>
+                    <a:t>Usuarios</a:t>
+                  </a:r>
+                  <a:endParaRPr lang="es-ES" sz="1200" b="1" dirty="0">
+                    <a:latin typeface="Geist Mono Bold" pitchFamily="2" charset="77"/>
+                    <a:ea typeface="Geist Mono Bold" pitchFamily="2" charset="77"/>
+                    <a:cs typeface="Geist Mono Bold" pitchFamily="2" charset="77"/>
+                  </a:endParaRPr>
+                </a:p>
+              </p:txBody>
+            </p:sp>
+            <p:sp>
+              <p:nvSpPr>
+                <p:cNvPr id="46" name="Rectángulo redondeado 45">
+                  <a:extLst>
+                    <a:ext uri="{FF2B5EF4-FFF2-40B4-BE49-F238E27FC236}">
+                      <a16:creationId xmlns:a16="http://schemas.microsoft.com/office/drawing/2014/main" id="{65280C86-20C7-ED63-E3D5-E46B72A8BBEC}"/>
+                    </a:ext>
+                  </a:extLst>
+                </p:cNvPr>
+                <p:cNvSpPr/>
+                <p:nvPr/>
+              </p:nvSpPr>
+              <p:spPr>
+                <a:xfrm>
+                  <a:off x="138954" y="91440"/>
+                  <a:ext cx="11819366" cy="3340225"/>
+                </a:xfrm>
+                <a:prstGeom prst="roundRect">
+                  <a:avLst/>
+                </a:prstGeom>
+                <a:noFill/>
+                <a:ln>
+                  <a:prstDash val="sysDash"/>
+                </a:ln>
+              </p:spPr>
+              <p:style>
+                <a:lnRef idx="2">
+                  <a:schemeClr val="accent1">
+                    <a:shade val="15000"/>
+                  </a:schemeClr>
+                </a:lnRef>
+                <a:fillRef idx="1">
+                  <a:schemeClr val="accent1"/>
+                </a:fillRef>
+                <a:effectRef idx="0">
+                  <a:schemeClr val="accent1"/>
+                </a:effectRef>
+                <a:fontRef idx="minor">
+                  <a:schemeClr val="lt1"/>
+                </a:fontRef>
+              </p:style>
+              <p:txBody>
+                <a:bodyPr rtlCol="0" anchor="ctr"/>
+                <a:lstStyle/>
+                <a:p>
+                  <a:pPr algn="ctr"/>
+                  <a:endParaRPr lang="es-ES"/>
+                </a:p>
+              </p:txBody>
+            </p:sp>
+          </p:grpSp>
+          <p:grpSp>
+            <p:nvGrpSpPr>
+              <p:cNvPr id="71" name="Grupo 70">
+                <a:extLst>
+                  <a:ext uri="{FF2B5EF4-FFF2-40B4-BE49-F238E27FC236}">
+                    <a16:creationId xmlns:a16="http://schemas.microsoft.com/office/drawing/2014/main" id="{F3114D75-B890-F2E5-7F2A-B36B64AD5A07}"/>
+                  </a:ext>
+                </a:extLst>
+              </p:cNvPr>
+              <p:cNvGrpSpPr/>
+              <p:nvPr/>
+            </p:nvGrpSpPr>
+            <p:grpSpPr>
+              <a:xfrm>
+                <a:off x="0" y="310921"/>
+                <a:ext cx="11576198" cy="2985596"/>
+                <a:chOff x="393827" y="3841241"/>
+                <a:chExt cx="11576198" cy="2985596"/>
+              </a:xfrm>
+            </p:grpSpPr>
+            <p:pic>
+              <p:nvPicPr>
+                <p:cNvPr id="55" name="Imagen 54" descr="Icono&#10;&#10;Descripción generada automáticamente">
+                  <a:extLst>
+                    <a:ext uri="{FF2B5EF4-FFF2-40B4-BE49-F238E27FC236}">
+                      <a16:creationId xmlns:a16="http://schemas.microsoft.com/office/drawing/2014/main" id="{95DF6F90-02E2-DDA9-B302-E6B56FE250C6}"/>
+                    </a:ext>
+                  </a:extLst>
+                </p:cNvPr>
+                <p:cNvPicPr>
+                  <a:picLocks noChangeAspect="1"/>
+                </p:cNvPicPr>
+                <p:nvPr/>
+              </p:nvPicPr>
+              <p:blipFill>
+                <a:blip r:embed="rId5">
+                  <a:extLst>
+                    <a:ext uri="{BEBA8EAE-BF5A-486C-A8C5-ECC9F3942E4B}">
+                      <a14:imgProps xmlns:a14="http://schemas.microsoft.com/office/drawing/2010/main">
+                        <a14:imgLayer r:embed="rId6">
+                          <a14:imgEffect>
+                            <a14:backgroundRemoval t="10000" b="90000" l="10000" r="90000">
+                              <a14:foregroundMark x1="34375" y1="41699" x2="34375" y2="41699"/>
+                              <a14:foregroundMark x1="33008" y1="31445" x2="33008" y2="31445"/>
+                              <a14:foregroundMark x1="22363" y1="51172" x2="22363" y2="51172"/>
+                            </a14:backgroundRemoval>
+                          </a14:imgEffect>
+                        </a14:imgLayer>
+                      </a14:imgProps>
+                    </a:ext>
+                  </a:extLst>
+                </a:blip>
+                <a:stretch>
+                  <a:fillRect/>
+                </a:stretch>
+              </p:blipFill>
+              <p:spPr>
+                <a:xfrm>
+                  <a:off x="393827" y="3893127"/>
+                  <a:ext cx="2873433" cy="2873433"/>
+                </a:xfrm>
+                <a:prstGeom prst="rect">
+                  <a:avLst/>
+                </a:prstGeom>
+              </p:spPr>
+            </p:pic>
+            <p:pic>
+              <p:nvPicPr>
+                <p:cNvPr id="57" name="Imagen 56" descr="Imagen que contiene Logotipo&#10;&#10;Descripción generada automáticamente">
+                  <a:extLst>
+                    <a:ext uri="{FF2B5EF4-FFF2-40B4-BE49-F238E27FC236}">
+                      <a16:creationId xmlns:a16="http://schemas.microsoft.com/office/drawing/2014/main" id="{7E7CCED5-9643-EEEC-5034-B3BE350DF226}"/>
+                    </a:ext>
+                  </a:extLst>
+                </p:cNvPr>
+                <p:cNvPicPr>
+                  <a:picLocks noChangeAspect="1"/>
+                </p:cNvPicPr>
+                <p:nvPr/>
+              </p:nvPicPr>
+              <p:blipFill>
+                <a:blip r:embed="rId7">
+                  <a:extLst>
+                    <a:ext uri="{BEBA8EAE-BF5A-486C-A8C5-ECC9F3942E4B}">
+                      <a14:imgProps xmlns:a14="http://schemas.microsoft.com/office/drawing/2010/main">
+                        <a14:imgLayer r:embed="rId8">
+                          <a14:imgEffect>
+                            <a14:backgroundRemoval t="10000" b="90000" l="10000" r="90000">
+                              <a14:foregroundMark x1="48926" y1="32617" x2="48926" y2="32617"/>
+                              <a14:foregroundMark x1="50293" y1="46973" x2="50293" y2="46973"/>
+                              <a14:foregroundMark x1="50293" y1="56250" x2="50293" y2="56250"/>
+                            </a14:backgroundRemoval>
+                          </a14:imgEffect>
+                        </a14:imgLayer>
+                      </a14:imgProps>
+                    </a:ext>
+                  </a:extLst>
+                </a:blip>
+                <a:stretch>
+                  <a:fillRect/>
+                </a:stretch>
+              </p:blipFill>
+              <p:spPr>
+                <a:xfrm>
+                  <a:off x="4461335" y="3856878"/>
+                  <a:ext cx="2969959" cy="2969959"/>
+                </a:xfrm>
+                <a:prstGeom prst="rect">
+                  <a:avLst/>
+                </a:prstGeom>
+              </p:spPr>
+            </p:pic>
+            <p:pic>
+              <p:nvPicPr>
+                <p:cNvPr id="59" name="Imagen 58" descr="Texto&#10;&#10;Descripción generada automáticamente con confianza media">
+                  <a:extLst>
+                    <a:ext uri="{FF2B5EF4-FFF2-40B4-BE49-F238E27FC236}">
+                      <a16:creationId xmlns:a16="http://schemas.microsoft.com/office/drawing/2014/main" id="{693FABE0-550B-6379-2413-DB871A6F9CFE}"/>
+                    </a:ext>
+                  </a:extLst>
+                </p:cNvPr>
+                <p:cNvPicPr>
+                  <a:picLocks noChangeAspect="1"/>
+                </p:cNvPicPr>
+                <p:nvPr/>
+              </p:nvPicPr>
+              <p:blipFill>
+                <a:blip r:embed="rId9">
+                  <a:extLst>
+                    <a:ext uri="{BEBA8EAE-BF5A-486C-A8C5-ECC9F3942E4B}">
+                      <a14:imgProps xmlns:a14="http://schemas.microsoft.com/office/drawing/2010/main">
+                        <a14:imgLayer r:embed="rId10">
+                          <a14:imgEffect>
+                            <a14:backgroundRemoval t="10000" b="90000" l="10000" r="90000">
+                              <a14:foregroundMark x1="62109" y1="55371" x2="62109" y2="55371"/>
+                              <a14:foregroundMark x1="62109" y1="46191" x2="62109" y2="46191"/>
+                              <a14:foregroundMark x1="62793" y1="34180" x2="62793" y2="34180"/>
+                            </a14:backgroundRemoval>
+                          </a14:imgEffect>
+                        </a14:imgLayer>
+                      </a14:imgProps>
+                    </a:ext>
+                  </a:extLst>
+                </a:blip>
+                <a:stretch>
+                  <a:fillRect/>
+                </a:stretch>
+              </p:blipFill>
+              <p:spPr>
+                <a:xfrm>
+                  <a:off x="9000066" y="3841241"/>
+                  <a:ext cx="2969959" cy="2969959"/>
+                </a:xfrm>
+                <a:prstGeom prst="rect">
+                  <a:avLst/>
+                </a:prstGeom>
+              </p:spPr>
+            </p:pic>
+            <p:sp>
+              <p:nvSpPr>
+                <p:cNvPr id="60" name="CuadroTexto 59">
+                  <a:extLst>
+                    <a:ext uri="{FF2B5EF4-FFF2-40B4-BE49-F238E27FC236}">
+                      <a16:creationId xmlns:a16="http://schemas.microsoft.com/office/drawing/2014/main" id="{C372D7BF-BA7F-C287-4A5F-7584F4A3E05E}"/>
+                    </a:ext>
+                  </a:extLst>
+                </p:cNvPr>
+                <p:cNvSpPr txBox="1"/>
+                <p:nvPr/>
+              </p:nvSpPr>
+              <p:spPr>
+                <a:xfrm>
+                  <a:off x="3218330" y="4873731"/>
+                  <a:ext cx="1403046" cy="276999"/>
+                </a:xfrm>
+                <a:prstGeom prst="rect">
+                  <a:avLst/>
+                </a:prstGeom>
+                <a:noFill/>
+              </p:spPr>
+              <p:txBody>
+                <a:bodyPr wrap="square" rtlCol="0">
+                  <a:spAutoFit/>
+                </a:bodyPr>
+                <a:lstStyle/>
+                <a:p>
+                  <a:pPr algn="ctr"/>
+                  <a:r>
+                    <a:rPr lang="es-ES" sz="1200" dirty="0">
+                      <a:latin typeface="Geist Mono" pitchFamily="2" charset="77"/>
+                      <a:ea typeface="Geist Mono" pitchFamily="2" charset="77"/>
+                      <a:cs typeface="Geist Mono" pitchFamily="2" charset="77"/>
+                    </a:rPr>
+                    <a:t>requests</a:t>
+                  </a:r>
+                </a:p>
+              </p:txBody>
+            </p:sp>
+            <p:sp>
+              <p:nvSpPr>
+                <p:cNvPr id="61" name="CuadroTexto 60">
+                  <a:extLst>
+                    <a:ext uri="{FF2B5EF4-FFF2-40B4-BE49-F238E27FC236}">
+                      <a16:creationId xmlns:a16="http://schemas.microsoft.com/office/drawing/2014/main" id="{0A66B756-B129-8306-6CD6-059402F15C56}"/>
+                    </a:ext>
+                  </a:extLst>
+                </p:cNvPr>
+                <p:cNvSpPr txBox="1"/>
+                <p:nvPr/>
+              </p:nvSpPr>
+              <p:spPr>
+                <a:xfrm>
+                  <a:off x="3218329" y="5501219"/>
+                  <a:ext cx="1479385" cy="276999"/>
+                </a:xfrm>
+                <a:prstGeom prst="rect">
+                  <a:avLst/>
+                </a:prstGeom>
+                <a:noFill/>
+              </p:spPr>
+              <p:txBody>
+                <a:bodyPr wrap="square" rtlCol="0">
+                  <a:spAutoFit/>
+                </a:bodyPr>
+                <a:lstStyle/>
+                <a:p>
+                  <a:pPr algn="ctr"/>
+                  <a:r>
+                    <a:rPr lang="es-ES" sz="1200" dirty="0">
+                      <a:latin typeface="Geist Mono" pitchFamily="2" charset="77"/>
+                      <a:ea typeface="Geist Mono" pitchFamily="2" charset="77"/>
+                      <a:cs typeface="Geist Mono" pitchFamily="2" charset="77"/>
+                    </a:rPr>
+                    <a:t>respuesta</a:t>
+                  </a:r>
+                </a:p>
+              </p:txBody>
+            </p:sp>
+            <p:cxnSp>
+              <p:nvCxnSpPr>
+                <p:cNvPr id="62" name="Conector recto de flecha 61">
+                  <a:extLst>
+                    <a:ext uri="{FF2B5EF4-FFF2-40B4-BE49-F238E27FC236}">
+                      <a16:creationId xmlns:a16="http://schemas.microsoft.com/office/drawing/2014/main" id="{CD552892-AADC-5D2A-4609-56AF15B20121}"/>
+                    </a:ext>
+                  </a:extLst>
+                </p:cNvPr>
+                <p:cNvCxnSpPr/>
+                <p:nvPr/>
+              </p:nvCxnSpPr>
+              <p:spPr>
+                <a:xfrm>
+                  <a:off x="3268920" y="5150730"/>
+                  <a:ext cx="1313330" cy="0"/>
+                </a:xfrm>
+                <a:prstGeom prst="straightConnector1">
+                  <a:avLst/>
+                </a:prstGeom>
+                <a:ln w="38100">
+                  <a:solidFill>
+                    <a:srgbClr val="FFC000"/>
+                  </a:solidFill>
+                  <a:tailEnd type="triangle"/>
+                </a:ln>
+              </p:spPr>
+              <p:style>
+                <a:lnRef idx="2">
+                  <a:schemeClr val="accent1"/>
+                </a:lnRef>
+                <a:fillRef idx="0">
+                  <a:schemeClr val="accent1"/>
+                </a:fillRef>
+                <a:effectRef idx="1">
+                  <a:schemeClr val="accent1"/>
+                </a:effectRef>
+                <a:fontRef idx="minor">
+                  <a:schemeClr val="tx1"/>
+                </a:fontRef>
+              </p:style>
+            </p:cxnSp>
+            <p:cxnSp>
+              <p:nvCxnSpPr>
+                <p:cNvPr id="63" name="Conector recto de flecha 62">
+                  <a:extLst>
+                    <a:ext uri="{FF2B5EF4-FFF2-40B4-BE49-F238E27FC236}">
+                      <a16:creationId xmlns:a16="http://schemas.microsoft.com/office/drawing/2014/main" id="{79046B67-49D8-0024-013D-AFF17F0DA258}"/>
+                    </a:ext>
+                  </a:extLst>
+                </p:cNvPr>
+                <p:cNvCxnSpPr>
+                  <a:cxnSpLocks/>
+                </p:cNvCxnSpPr>
+                <p:nvPr/>
+              </p:nvCxnSpPr>
+              <p:spPr>
+                <a:xfrm flipH="1">
+                  <a:off x="3255543" y="5484597"/>
+                  <a:ext cx="1313330" cy="0"/>
+                </a:xfrm>
+                <a:prstGeom prst="straightConnector1">
+                  <a:avLst/>
+                </a:prstGeom>
+                <a:ln w="38100">
+                  <a:solidFill>
+                    <a:srgbClr val="FFC000"/>
+                  </a:solidFill>
+                  <a:tailEnd type="triangle"/>
+                </a:ln>
+              </p:spPr>
+              <p:style>
+                <a:lnRef idx="2">
+                  <a:schemeClr val="accent1"/>
+                </a:lnRef>
+                <a:fillRef idx="0">
+                  <a:schemeClr val="accent1"/>
+                </a:fillRef>
+                <a:effectRef idx="1">
+                  <a:schemeClr val="accent1"/>
+                </a:effectRef>
+                <a:fontRef idx="minor">
+                  <a:schemeClr val="tx1"/>
+                </a:fontRef>
+              </p:style>
+            </p:cxnSp>
+            <p:sp>
+              <p:nvSpPr>
+                <p:cNvPr id="64" name="CuadroTexto 63">
+                  <a:extLst>
+                    <a:ext uri="{FF2B5EF4-FFF2-40B4-BE49-F238E27FC236}">
+                      <a16:creationId xmlns:a16="http://schemas.microsoft.com/office/drawing/2014/main" id="{741740BC-AEA6-BC8B-E626-988753D2AE15}"/>
+                    </a:ext>
+                  </a:extLst>
+                </p:cNvPr>
+                <p:cNvSpPr txBox="1"/>
+                <p:nvPr/>
+              </p:nvSpPr>
+              <p:spPr>
+                <a:xfrm>
+                  <a:off x="7561873" y="4876751"/>
+                  <a:ext cx="1403046" cy="276999"/>
+                </a:xfrm>
+                <a:prstGeom prst="rect">
+                  <a:avLst/>
+                </a:prstGeom>
+                <a:noFill/>
+              </p:spPr>
+              <p:txBody>
+                <a:bodyPr wrap="square" rtlCol="0">
+                  <a:spAutoFit/>
+                </a:bodyPr>
+                <a:lstStyle/>
+                <a:p>
+                  <a:pPr algn="ctr"/>
+                  <a:r>
+                    <a:rPr lang="es-ES" sz="1200" dirty="0">
+                      <a:latin typeface="Geist Mono" pitchFamily="2" charset="77"/>
+                      <a:ea typeface="Geist Mono" pitchFamily="2" charset="77"/>
+                      <a:cs typeface="Geist Mono" pitchFamily="2" charset="77"/>
+                    </a:rPr>
+                    <a:t>Recibe query</a:t>
+                  </a:r>
+                </a:p>
+              </p:txBody>
+            </p:sp>
+            <p:sp>
+              <p:nvSpPr>
+                <p:cNvPr id="65" name="CuadroTexto 64">
+                  <a:extLst>
+                    <a:ext uri="{FF2B5EF4-FFF2-40B4-BE49-F238E27FC236}">
+                      <a16:creationId xmlns:a16="http://schemas.microsoft.com/office/drawing/2014/main" id="{55475658-76F7-DD5D-C5CD-EC2BA1827C6A}"/>
+                    </a:ext>
+                  </a:extLst>
+                </p:cNvPr>
+                <p:cNvSpPr txBox="1"/>
+                <p:nvPr/>
+              </p:nvSpPr>
+              <p:spPr>
+                <a:xfrm>
+                  <a:off x="7561872" y="5504239"/>
+                  <a:ext cx="1479385" cy="276999"/>
+                </a:xfrm>
+                <a:prstGeom prst="rect">
+                  <a:avLst/>
+                </a:prstGeom>
+                <a:noFill/>
+              </p:spPr>
+              <p:txBody>
+                <a:bodyPr wrap="square" rtlCol="0">
+                  <a:spAutoFit/>
+                </a:bodyPr>
+                <a:lstStyle/>
+                <a:p>
+                  <a:pPr algn="ctr"/>
+                  <a:r>
+                    <a:rPr lang="es-ES" sz="1200" dirty="0">
+                      <a:latin typeface="Geist Mono" pitchFamily="2" charset="77"/>
+                      <a:ea typeface="Geist Mono" pitchFamily="2" charset="77"/>
+                      <a:cs typeface="Geist Mono" pitchFamily="2" charset="77"/>
+                    </a:rPr>
+                    <a:t>Entrega datos</a:t>
+                  </a:r>
+                </a:p>
+              </p:txBody>
+            </p:sp>
+            <p:cxnSp>
+              <p:nvCxnSpPr>
+                <p:cNvPr id="66" name="Conector recto de flecha 65">
+                  <a:extLst>
+                    <a:ext uri="{FF2B5EF4-FFF2-40B4-BE49-F238E27FC236}">
+                      <a16:creationId xmlns:a16="http://schemas.microsoft.com/office/drawing/2014/main" id="{19D3028D-A7DC-0A2E-C365-4C15ECAF962D}"/>
+                    </a:ext>
+                  </a:extLst>
+                </p:cNvPr>
+                <p:cNvCxnSpPr/>
+                <p:nvPr/>
+              </p:nvCxnSpPr>
+              <p:spPr>
+                <a:xfrm>
+                  <a:off x="7612463" y="5153750"/>
+                  <a:ext cx="1313330" cy="0"/>
+                </a:xfrm>
+                <a:prstGeom prst="straightConnector1">
+                  <a:avLst/>
+                </a:prstGeom>
+                <a:ln w="38100">
+                  <a:solidFill>
+                    <a:srgbClr val="FFC000"/>
+                  </a:solidFill>
+                  <a:tailEnd type="triangle"/>
+                </a:ln>
+              </p:spPr>
+              <p:style>
+                <a:lnRef idx="2">
+                  <a:schemeClr val="accent1"/>
+                </a:lnRef>
+                <a:fillRef idx="0">
+                  <a:schemeClr val="accent1"/>
+                </a:fillRef>
+                <a:effectRef idx="1">
+                  <a:schemeClr val="accent1"/>
+                </a:effectRef>
+                <a:fontRef idx="minor">
+                  <a:schemeClr val="tx1"/>
+                </a:fontRef>
+              </p:style>
+            </p:cxnSp>
+            <p:cxnSp>
+              <p:nvCxnSpPr>
+                <p:cNvPr id="67" name="Conector recto de flecha 66">
+                  <a:extLst>
+                    <a:ext uri="{FF2B5EF4-FFF2-40B4-BE49-F238E27FC236}">
+                      <a16:creationId xmlns:a16="http://schemas.microsoft.com/office/drawing/2014/main" id="{4C17BB79-E539-97D6-287C-1CD87206307E}"/>
+                    </a:ext>
+                  </a:extLst>
+                </p:cNvPr>
+                <p:cNvCxnSpPr>
+                  <a:cxnSpLocks/>
+                </p:cNvCxnSpPr>
+                <p:nvPr/>
+              </p:nvCxnSpPr>
+              <p:spPr>
+                <a:xfrm flipH="1">
+                  <a:off x="7599086" y="5487617"/>
+                  <a:ext cx="1313330" cy="0"/>
+                </a:xfrm>
+                <a:prstGeom prst="straightConnector1">
+                  <a:avLst/>
+                </a:prstGeom>
+                <a:ln w="38100">
+                  <a:solidFill>
+                    <a:srgbClr val="FFC000"/>
+                  </a:solidFill>
+                  <a:tailEnd type="triangle"/>
+                </a:ln>
+              </p:spPr>
+              <p:style>
+                <a:lnRef idx="2">
+                  <a:schemeClr val="accent1"/>
+                </a:lnRef>
+                <a:fillRef idx="0">
+                  <a:schemeClr val="accent1"/>
+                </a:fillRef>
+                <a:effectRef idx="1">
+                  <a:schemeClr val="accent1"/>
+                </a:effectRef>
+                <a:fontRef idx="minor">
+                  <a:schemeClr val="tx1"/>
+                </a:fontRef>
+              </p:style>
+            </p:cxnSp>
+            <p:sp>
+              <p:nvSpPr>
+                <p:cNvPr id="68" name="CuadroTexto 67">
+                  <a:extLst>
+                    <a:ext uri="{FF2B5EF4-FFF2-40B4-BE49-F238E27FC236}">
+                      <a16:creationId xmlns:a16="http://schemas.microsoft.com/office/drawing/2014/main" id="{1C4E610E-1BFC-9798-FE55-925F9BB2BFCB}"/>
+                    </a:ext>
+                  </a:extLst>
+                </p:cNvPr>
+                <p:cNvSpPr txBox="1"/>
+                <p:nvPr/>
+              </p:nvSpPr>
+              <p:spPr>
+                <a:xfrm>
+                  <a:off x="9414417" y="6339896"/>
+                  <a:ext cx="2252934" cy="338554"/>
+                </a:xfrm>
+                <a:prstGeom prst="rect">
+                  <a:avLst/>
+                </a:prstGeom>
+                <a:noFill/>
+              </p:spPr>
+              <p:txBody>
+                <a:bodyPr wrap="square" rtlCol="0">
+                  <a:spAutoFit/>
+                </a:bodyPr>
+                <a:lstStyle/>
+                <a:p>
+                  <a:pPr algn="ctr"/>
+                  <a:r>
+                    <a:rPr lang="es-ES" sz="1600" b="1" dirty="0">
+                      <a:latin typeface="Geist Mono Bold" pitchFamily="2" charset="77"/>
+                      <a:ea typeface="Geist Mono Bold" pitchFamily="2" charset="77"/>
+                      <a:cs typeface="Geist Mono Bold" pitchFamily="2" charset="77"/>
+                    </a:rPr>
+                    <a:t>BBDD</a:t>
+                  </a:r>
+                  <a:endParaRPr lang="es-ES" sz="1200" b="1" dirty="0">
+                    <a:latin typeface="Geist Mono Bold" pitchFamily="2" charset="77"/>
+                    <a:ea typeface="Geist Mono Bold" pitchFamily="2" charset="77"/>
+                    <a:cs typeface="Geist Mono Bold" pitchFamily="2" charset="77"/>
+                  </a:endParaRPr>
+                </a:p>
+              </p:txBody>
+            </p:sp>
+            <p:sp>
+              <p:nvSpPr>
+                <p:cNvPr id="69" name="CuadroTexto 68">
+                  <a:extLst>
+                    <a:ext uri="{FF2B5EF4-FFF2-40B4-BE49-F238E27FC236}">
+                      <a16:creationId xmlns:a16="http://schemas.microsoft.com/office/drawing/2014/main" id="{34BEFDEF-B316-FB51-4290-F5F46C50AC96}"/>
+                    </a:ext>
+                  </a:extLst>
+                </p:cNvPr>
+                <p:cNvSpPr txBox="1"/>
+                <p:nvPr/>
+              </p:nvSpPr>
+              <p:spPr>
+                <a:xfrm>
+                  <a:off x="4800461" y="6302299"/>
+                  <a:ext cx="2252934" cy="461665"/>
+                </a:xfrm>
+                <a:prstGeom prst="rect">
+                  <a:avLst/>
+                </a:prstGeom>
+                <a:noFill/>
+              </p:spPr>
+              <p:txBody>
+                <a:bodyPr wrap="square" rtlCol="0">
+                  <a:spAutoFit/>
+                </a:bodyPr>
+                <a:lstStyle/>
+                <a:p>
+                  <a:pPr algn="ctr"/>
+                  <a:r>
+                    <a:rPr lang="es-ES" sz="2400" b="1" dirty="0">
+                      <a:latin typeface="Geist Mono Bold" pitchFamily="2" charset="77"/>
+                      <a:ea typeface="Geist Mono Bold" pitchFamily="2" charset="77"/>
+                      <a:cs typeface="Geist Mono Bold" pitchFamily="2" charset="77"/>
+                    </a:rPr>
+                    <a:t>API</a:t>
+                  </a:r>
+                  <a:endParaRPr lang="es-ES" sz="1200" b="1" dirty="0">
+                    <a:latin typeface="Geist Mono Bold" pitchFamily="2" charset="77"/>
+                    <a:ea typeface="Geist Mono Bold" pitchFamily="2" charset="77"/>
+                    <a:cs typeface="Geist Mono Bold" pitchFamily="2" charset="77"/>
+                  </a:endParaRPr>
+                </a:p>
+              </p:txBody>
+            </p:sp>
+            <p:sp>
+              <p:nvSpPr>
+                <p:cNvPr id="70" name="CuadroTexto 69">
+                  <a:extLst>
+                    <a:ext uri="{FF2B5EF4-FFF2-40B4-BE49-F238E27FC236}">
+                      <a16:creationId xmlns:a16="http://schemas.microsoft.com/office/drawing/2014/main" id="{147DC7A5-FAF1-1ABD-384C-040FB0C568CC}"/>
+                    </a:ext>
+                  </a:extLst>
+                </p:cNvPr>
+                <p:cNvSpPr txBox="1"/>
+                <p:nvPr/>
+              </p:nvSpPr>
+              <p:spPr>
+                <a:xfrm>
+                  <a:off x="658108" y="6408822"/>
+                  <a:ext cx="2252934" cy="338554"/>
+                </a:xfrm>
+                <a:prstGeom prst="rect">
+                  <a:avLst/>
+                </a:prstGeom>
+                <a:noFill/>
+              </p:spPr>
+              <p:txBody>
+                <a:bodyPr wrap="square" rtlCol="0">
+                  <a:spAutoFit/>
+                </a:bodyPr>
+                <a:lstStyle/>
+                <a:p>
+                  <a:pPr algn="ctr"/>
+                  <a:r>
+                    <a:rPr lang="es-ES" sz="1600" b="1" dirty="0">
+                      <a:latin typeface="Geist Mono Bold" pitchFamily="2" charset="77"/>
+                      <a:ea typeface="Geist Mono Bold" pitchFamily="2" charset="77"/>
+                      <a:cs typeface="Geist Mono Bold" pitchFamily="2" charset="77"/>
+                    </a:rPr>
+                    <a:t>Usuarios</a:t>
+                  </a:r>
+                  <a:endParaRPr lang="es-ES" sz="1200" b="1" dirty="0">
+                    <a:latin typeface="Geist Mono Bold" pitchFamily="2" charset="77"/>
+                    <a:ea typeface="Geist Mono Bold" pitchFamily="2" charset="77"/>
+                    <a:cs typeface="Geist Mono Bold" pitchFamily="2" charset="77"/>
+                  </a:endParaRPr>
+                </a:p>
+              </p:txBody>
+            </p:sp>
+          </p:grpSp>
+        </p:grpSp>
+        <p:sp>
+          <p:nvSpPr>
+            <p:cNvPr id="3" name="CuadroTexto 2">
+              <a:extLst>
+                <a:ext uri="{FF2B5EF4-FFF2-40B4-BE49-F238E27FC236}">
+                  <a16:creationId xmlns:a16="http://schemas.microsoft.com/office/drawing/2014/main" id="{B963DA6C-8D78-2A28-D08A-9215F873148F}"/>
+                </a:ext>
+              </a:extLst>
+            </p:cNvPr>
+            <p:cNvSpPr txBox="1"/>
+            <p:nvPr/>
+          </p:nvSpPr>
+          <p:spPr>
+            <a:xfrm>
+              <a:off x="3581400" y="698500"/>
+              <a:ext cx="184731" cy="369332"/>
+            </a:xfrm>
+            <a:prstGeom prst="rect">
+              <a:avLst/>
+            </a:prstGeom>
+            <a:noFill/>
+          </p:spPr>
+          <p:txBody>
+            <a:bodyPr wrap="none" rtlCol="0">
+              <a:spAutoFit/>
+            </a:bodyPr>
+            <a:lstStyle/>
+            <a:p>
+              <a:endParaRPr lang="es-ES" dirty="0"/>
+            </a:p>
+          </p:txBody>
+        </p:sp>
+      </p:grpSp>
+    </p:spTree>
+    <p:extLst>
+      <p:ext uri="{BB962C8B-B14F-4D97-AF65-F5344CB8AC3E}">
+        <p14:creationId xmlns:p14="http://schemas.microsoft.com/office/powerpoint/2010/main" val="3817579665"/>
       </p:ext>
     </p:extLst>
   </p:cSld>
